--- a/TDD WITH Junit 5 (23-6-2023)/TDD with Junit 5.pptx
+++ b/TDD WITH Junit 5 (23-6-2023)/TDD with Junit 5.pptx
@@ -14,6 +14,7 @@
     <p:sldId id="263" r:id="rId8"/>
     <p:sldId id="257" r:id="rId9"/>
     <p:sldId id="264" r:id="rId10"/>
+    <p:sldId id="265" r:id="rId11"/>
   </p:sldIdLst>
   <p:sldSz cx="12192000" cy="6858000"/>
   <p:notesSz cx="6858000" cy="9144000"/>
@@ -112,6 +113,11 @@
       </a:defRPr>
     </a:lvl9pPr>
   </p:defaultTextStyle>
+  <p:extLst>
+    <p:ext uri="{EFAFB233-063F-42B5-8137-9DF3F51BA10A}">
+      <p15:sldGuideLst xmlns:p15="http://schemas.microsoft.com/office/powerpoint/2012/main"/>
+    </p:ext>
+  </p:extLst>
 </p:presentation>
 </file>
 
@@ -246,7 +252,7 @@
           <a:p>
             <a:fld id="{1D6F9ABC-9055-4818-825B-0F335199BB18}" type="datetimeFigureOut">
               <a:rPr lang="en-IN" smtClean="0"/>
-              <a:t>22-06-2023</a:t>
+              <a:t>23-06-2023</a:t>
             </a:fld>
             <a:endParaRPr lang="en-IN"/>
           </a:p>
@@ -416,7 +422,7 @@
           <a:p>
             <a:fld id="{1D6F9ABC-9055-4818-825B-0F335199BB18}" type="datetimeFigureOut">
               <a:rPr lang="en-IN" smtClean="0"/>
-              <a:t>22-06-2023</a:t>
+              <a:t>23-06-2023</a:t>
             </a:fld>
             <a:endParaRPr lang="en-IN"/>
           </a:p>
@@ -596,7 +602,7 @@
           <a:p>
             <a:fld id="{1D6F9ABC-9055-4818-825B-0F335199BB18}" type="datetimeFigureOut">
               <a:rPr lang="en-IN" smtClean="0"/>
-              <a:t>22-06-2023</a:t>
+              <a:t>23-06-2023</a:t>
             </a:fld>
             <a:endParaRPr lang="en-IN"/>
           </a:p>
@@ -766,7 +772,7 @@
           <a:p>
             <a:fld id="{1D6F9ABC-9055-4818-825B-0F335199BB18}" type="datetimeFigureOut">
               <a:rPr lang="en-IN" smtClean="0"/>
-              <a:t>22-06-2023</a:t>
+              <a:t>23-06-2023</a:t>
             </a:fld>
             <a:endParaRPr lang="en-IN"/>
           </a:p>
@@ -1012,7 +1018,7 @@
           <a:p>
             <a:fld id="{1D6F9ABC-9055-4818-825B-0F335199BB18}" type="datetimeFigureOut">
               <a:rPr lang="en-IN" smtClean="0"/>
-              <a:t>22-06-2023</a:t>
+              <a:t>23-06-2023</a:t>
             </a:fld>
             <a:endParaRPr lang="en-IN"/>
           </a:p>
@@ -1244,7 +1250,7 @@
           <a:p>
             <a:fld id="{1D6F9ABC-9055-4818-825B-0F335199BB18}" type="datetimeFigureOut">
               <a:rPr lang="en-IN" smtClean="0"/>
-              <a:t>22-06-2023</a:t>
+              <a:t>23-06-2023</a:t>
             </a:fld>
             <a:endParaRPr lang="en-IN"/>
           </a:p>
@@ -1611,7 +1617,7 @@
           <a:p>
             <a:fld id="{1D6F9ABC-9055-4818-825B-0F335199BB18}" type="datetimeFigureOut">
               <a:rPr lang="en-IN" smtClean="0"/>
-              <a:t>22-06-2023</a:t>
+              <a:t>23-06-2023</a:t>
             </a:fld>
             <a:endParaRPr lang="en-IN"/>
           </a:p>
@@ -1729,7 +1735,7 @@
           <a:p>
             <a:fld id="{1D6F9ABC-9055-4818-825B-0F335199BB18}" type="datetimeFigureOut">
               <a:rPr lang="en-IN" smtClean="0"/>
-              <a:t>22-06-2023</a:t>
+              <a:t>23-06-2023</a:t>
             </a:fld>
             <a:endParaRPr lang="en-IN"/>
           </a:p>
@@ -1824,7 +1830,7 @@
           <a:p>
             <a:fld id="{1D6F9ABC-9055-4818-825B-0F335199BB18}" type="datetimeFigureOut">
               <a:rPr lang="en-IN" smtClean="0"/>
-              <a:t>22-06-2023</a:t>
+              <a:t>23-06-2023</a:t>
             </a:fld>
             <a:endParaRPr lang="en-IN"/>
           </a:p>
@@ -2101,7 +2107,7 @@
           <a:p>
             <a:fld id="{1D6F9ABC-9055-4818-825B-0F335199BB18}" type="datetimeFigureOut">
               <a:rPr lang="en-IN" smtClean="0"/>
-              <a:t>22-06-2023</a:t>
+              <a:t>23-06-2023</a:t>
             </a:fld>
             <a:endParaRPr lang="en-IN"/>
           </a:p>
@@ -2358,7 +2364,7 @@
           <a:p>
             <a:fld id="{1D6F9ABC-9055-4818-825B-0F335199BB18}" type="datetimeFigureOut">
               <a:rPr lang="en-IN" smtClean="0"/>
-              <a:t>22-06-2023</a:t>
+              <a:t>23-06-2023</a:t>
             </a:fld>
             <a:endParaRPr lang="en-IN"/>
           </a:p>
@@ -2571,7 +2577,7 @@
           <a:p>
             <a:fld id="{1D6F9ABC-9055-4818-825B-0F335199BB18}" type="datetimeFigureOut">
               <a:rPr lang="en-IN" smtClean="0"/>
-              <a:t>22-06-2023</a:t>
+              <a:t>23-06-2023</a:t>
             </a:fld>
             <a:endParaRPr lang="en-IN"/>
           </a:p>
@@ -3050,6 +3056,89 @@
 </p:sld>
 </file>
 
+<file path=ppt/slides/slide10.xml><?xml version="1.0" encoding="utf-8"?>
+<p:sld xmlns:a="http://schemas.openxmlformats.org/drawingml/2006/main" xmlns:r="http://schemas.openxmlformats.org/officeDocument/2006/relationships" xmlns:p="http://schemas.openxmlformats.org/presentationml/2006/main">
+  <p:cSld>
+    <p:spTree>
+      <p:nvGrpSpPr>
+        <p:cNvPr id="1" name=""/>
+        <p:cNvGrpSpPr/>
+        <p:nvPr/>
+      </p:nvGrpSpPr>
+      <p:grpSpPr>
+        <a:xfrm>
+          <a:off x="0" y="0"/>
+          <a:ext cx="0" cy="0"/>
+          <a:chOff x="0" y="0"/>
+          <a:chExt cx="0" cy="0"/>
+        </a:xfrm>
+      </p:grpSpPr>
+      <p:sp>
+        <p:nvSpPr>
+          <p:cNvPr id="2" name="Title 1">
+            <a:extLst>
+              <a:ext uri="{FF2B5EF4-FFF2-40B4-BE49-F238E27FC236}">
+                <a16:creationId xmlns:a16="http://schemas.microsoft.com/office/drawing/2014/main" id="{982F57C6-1550-D251-6614-753A67D0710C}"/>
+              </a:ext>
+            </a:extLst>
+          </p:cNvPr>
+          <p:cNvSpPr>
+            <a:spLocks noGrp="1"/>
+          </p:cNvSpPr>
+          <p:nvPr>
+            <p:ph type="title"/>
+          </p:nvPr>
+        </p:nvSpPr>
+        <p:spPr/>
+        <p:txBody>
+          <a:bodyPr/>
+          <a:lstStyle/>
+          <a:p>
+            <a:r>
+              <a:rPr lang="en-IN" b="1" dirty="0"/>
+              <a:t>Junit 5</a:t>
+            </a:r>
+          </a:p>
+        </p:txBody>
+      </p:sp>
+      <p:sp>
+        <p:nvSpPr>
+          <p:cNvPr id="3" name="Content Placeholder 2">
+            <a:extLst>
+              <a:ext uri="{FF2B5EF4-FFF2-40B4-BE49-F238E27FC236}">
+                <a16:creationId xmlns:a16="http://schemas.microsoft.com/office/drawing/2014/main" id="{58F1599F-B50B-25F5-CFFF-DFFEFADBD3E3}"/>
+              </a:ext>
+            </a:extLst>
+          </p:cNvPr>
+          <p:cNvSpPr>
+            <a:spLocks noGrp="1"/>
+          </p:cNvSpPr>
+          <p:nvPr>
+            <p:ph idx="1"/>
+          </p:nvPr>
+        </p:nvSpPr>
+        <p:spPr/>
+        <p:txBody>
+          <a:bodyPr/>
+          <a:lstStyle/>
+          <a:p>
+            <a:endParaRPr lang="en-IN" dirty="0"/>
+          </a:p>
+        </p:txBody>
+      </p:sp>
+    </p:spTree>
+    <p:extLst>
+      <p:ext uri="{BB962C8B-B14F-4D97-AF65-F5344CB8AC3E}">
+        <p14:creationId xmlns:p14="http://schemas.microsoft.com/office/powerpoint/2010/main" val="3986007924"/>
+      </p:ext>
+    </p:extLst>
+  </p:cSld>
+  <p:clrMapOvr>
+    <a:masterClrMapping/>
+  </p:clrMapOvr>
+</p:sld>
+</file>
+
 <file path=ppt/slides/slide2.xml><?xml version="1.0" encoding="utf-8"?>
 <p:sld xmlns:a="http://schemas.openxmlformats.org/drawingml/2006/main" xmlns:r="http://schemas.openxmlformats.org/officeDocument/2006/relationships" xmlns:p="http://schemas.openxmlformats.org/presentationml/2006/main">
   <p:cSld>

--- a/TDD WITH Junit 5 (23-6-2023)/TDD with Junit 5.pptx
+++ b/TDD WITH Junit 5 (23-6-2023)/TDD with Junit 5.pptx
@@ -4,6 +4,9 @@
   <p:sldMasterIdLst>
     <p:sldMasterId id="2147483660" r:id="rId1"/>
   </p:sldMasterIdLst>
+  <p:notesMasterIdLst>
+    <p:notesMasterId r:id="rId18"/>
+  </p:notesMasterIdLst>
   <p:sldIdLst>
     <p:sldId id="256" r:id="rId2"/>
     <p:sldId id="260" r:id="rId3"/>
@@ -13,8 +16,14 @@
     <p:sldId id="262" r:id="rId7"/>
     <p:sldId id="263" r:id="rId8"/>
     <p:sldId id="257" r:id="rId9"/>
-    <p:sldId id="264" r:id="rId10"/>
-    <p:sldId id="265" r:id="rId11"/>
+    <p:sldId id="267" r:id="rId10"/>
+    <p:sldId id="264" r:id="rId11"/>
+    <p:sldId id="265" r:id="rId12"/>
+    <p:sldId id="268" r:id="rId13"/>
+    <p:sldId id="269" r:id="rId14"/>
+    <p:sldId id="270" r:id="rId15"/>
+    <p:sldId id="266" r:id="rId16"/>
+    <p:sldId id="271" r:id="rId17"/>
   </p:sldIdLst>
   <p:sldSz cx="12192000" cy="6858000"/>
   <p:notesSz cx="6858000" cy="9144000"/>
@@ -119,6 +128,440 @@
     </p:ext>
   </p:extLst>
 </p:presentation>
+</file>
+
+<file path=ppt/notesMasters/notesMaster1.xml><?xml version="1.0" encoding="utf-8"?>
+<p:notesMaster xmlns:a="http://schemas.openxmlformats.org/drawingml/2006/main" xmlns:r="http://schemas.openxmlformats.org/officeDocument/2006/relationships" xmlns:p="http://schemas.openxmlformats.org/presentationml/2006/main">
+  <p:cSld>
+    <p:bg>
+      <p:bgRef idx="1001">
+        <a:schemeClr val="bg1"/>
+      </p:bgRef>
+    </p:bg>
+    <p:spTree>
+      <p:nvGrpSpPr>
+        <p:cNvPr id="1" name=""/>
+        <p:cNvGrpSpPr/>
+        <p:nvPr/>
+      </p:nvGrpSpPr>
+      <p:grpSpPr>
+        <a:xfrm>
+          <a:off x="0" y="0"/>
+          <a:ext cx="0" cy="0"/>
+          <a:chOff x="0" y="0"/>
+          <a:chExt cx="0" cy="0"/>
+        </a:xfrm>
+      </p:grpSpPr>
+      <p:sp>
+        <p:nvSpPr>
+          <p:cNvPr id="2" name="Header Placeholder 1"/>
+          <p:cNvSpPr>
+            <a:spLocks noGrp="1"/>
+          </p:cNvSpPr>
+          <p:nvPr>
+            <p:ph type="hdr" sz="quarter"/>
+          </p:nvPr>
+        </p:nvSpPr>
+        <p:spPr>
+          <a:xfrm>
+            <a:off x="0" y="0"/>
+            <a:ext cx="2971800" cy="458788"/>
+          </a:xfrm>
+          <a:prstGeom prst="rect">
+            <a:avLst/>
+          </a:prstGeom>
+        </p:spPr>
+        <p:txBody>
+          <a:bodyPr vert="horz" lIns="91440" tIns="45720" rIns="91440" bIns="45720" rtlCol="0"/>
+          <a:lstStyle>
+            <a:lvl1pPr algn="l">
+              <a:defRPr sz="1200"/>
+            </a:lvl1pPr>
+          </a:lstStyle>
+          <a:p>
+            <a:endParaRPr lang="en-IN"/>
+          </a:p>
+        </p:txBody>
+      </p:sp>
+      <p:sp>
+        <p:nvSpPr>
+          <p:cNvPr id="3" name="Date Placeholder 2"/>
+          <p:cNvSpPr>
+            <a:spLocks noGrp="1"/>
+          </p:cNvSpPr>
+          <p:nvPr>
+            <p:ph type="dt" idx="1"/>
+          </p:nvPr>
+        </p:nvSpPr>
+        <p:spPr>
+          <a:xfrm>
+            <a:off x="3884613" y="0"/>
+            <a:ext cx="2971800" cy="458788"/>
+          </a:xfrm>
+          <a:prstGeom prst="rect">
+            <a:avLst/>
+          </a:prstGeom>
+        </p:spPr>
+        <p:txBody>
+          <a:bodyPr vert="horz" lIns="91440" tIns="45720" rIns="91440" bIns="45720" rtlCol="0"/>
+          <a:lstStyle>
+            <a:lvl1pPr algn="r">
+              <a:defRPr sz="1200"/>
+            </a:lvl1pPr>
+          </a:lstStyle>
+          <a:p>
+            <a:fld id="{50B08029-7623-4AD5-92FB-B2AAD03915A2}" type="datetimeFigureOut">
+              <a:rPr lang="en-IN" smtClean="0"/>
+              <a:t>23-06-2023</a:t>
+            </a:fld>
+            <a:endParaRPr lang="en-IN"/>
+          </a:p>
+        </p:txBody>
+      </p:sp>
+      <p:sp>
+        <p:nvSpPr>
+          <p:cNvPr id="4" name="Slide Image Placeholder 3"/>
+          <p:cNvSpPr>
+            <a:spLocks noGrp="1" noRot="1" noChangeAspect="1"/>
+          </p:cNvSpPr>
+          <p:nvPr>
+            <p:ph type="sldImg" idx="2"/>
+          </p:nvPr>
+        </p:nvSpPr>
+        <p:spPr>
+          <a:xfrm>
+            <a:off x="685800" y="1143000"/>
+            <a:ext cx="5486400" cy="3086100"/>
+          </a:xfrm>
+          <a:prstGeom prst="rect">
+            <a:avLst/>
+          </a:prstGeom>
+          <a:noFill/>
+          <a:ln w="12700">
+            <a:solidFill>
+              <a:prstClr val="black"/>
+            </a:solidFill>
+          </a:ln>
+        </p:spPr>
+        <p:txBody>
+          <a:bodyPr vert="horz" lIns="91440" tIns="45720" rIns="91440" bIns="45720" rtlCol="0" anchor="ctr"/>
+          <a:lstStyle/>
+          <a:p>
+            <a:endParaRPr lang="en-IN"/>
+          </a:p>
+        </p:txBody>
+      </p:sp>
+      <p:sp>
+        <p:nvSpPr>
+          <p:cNvPr id="5" name="Notes Placeholder 4"/>
+          <p:cNvSpPr>
+            <a:spLocks noGrp="1"/>
+          </p:cNvSpPr>
+          <p:nvPr>
+            <p:ph type="body" sz="quarter" idx="3"/>
+          </p:nvPr>
+        </p:nvSpPr>
+        <p:spPr>
+          <a:xfrm>
+            <a:off x="685800" y="4400550"/>
+            <a:ext cx="5486400" cy="3600450"/>
+          </a:xfrm>
+          <a:prstGeom prst="rect">
+            <a:avLst/>
+          </a:prstGeom>
+        </p:spPr>
+        <p:txBody>
+          <a:bodyPr vert="horz" lIns="91440" tIns="45720" rIns="91440" bIns="45720" rtlCol="0"/>
+          <a:lstStyle/>
+          <a:p>
+            <a:pPr lvl="0"/>
+            <a:r>
+              <a:rPr lang="en-US" smtClean="0"/>
+              <a:t>Click to edit Master text styles</a:t>
+            </a:r>
+          </a:p>
+          <a:p>
+            <a:pPr lvl="1"/>
+            <a:r>
+              <a:rPr lang="en-US" smtClean="0"/>
+              <a:t>Second level</a:t>
+            </a:r>
+          </a:p>
+          <a:p>
+            <a:pPr lvl="2"/>
+            <a:r>
+              <a:rPr lang="en-US" smtClean="0"/>
+              <a:t>Third level</a:t>
+            </a:r>
+          </a:p>
+          <a:p>
+            <a:pPr lvl="3"/>
+            <a:r>
+              <a:rPr lang="en-US" smtClean="0"/>
+              <a:t>Fourth level</a:t>
+            </a:r>
+          </a:p>
+          <a:p>
+            <a:pPr lvl="4"/>
+            <a:r>
+              <a:rPr lang="en-US" smtClean="0"/>
+              <a:t>Fifth level</a:t>
+            </a:r>
+            <a:endParaRPr lang="en-IN"/>
+          </a:p>
+        </p:txBody>
+      </p:sp>
+      <p:sp>
+        <p:nvSpPr>
+          <p:cNvPr id="6" name="Footer Placeholder 5"/>
+          <p:cNvSpPr>
+            <a:spLocks noGrp="1"/>
+          </p:cNvSpPr>
+          <p:nvPr>
+            <p:ph type="ftr" sz="quarter" idx="4"/>
+          </p:nvPr>
+        </p:nvSpPr>
+        <p:spPr>
+          <a:xfrm>
+            <a:off x="0" y="8685213"/>
+            <a:ext cx="2971800" cy="458787"/>
+          </a:xfrm>
+          <a:prstGeom prst="rect">
+            <a:avLst/>
+          </a:prstGeom>
+        </p:spPr>
+        <p:txBody>
+          <a:bodyPr vert="horz" lIns="91440" tIns="45720" rIns="91440" bIns="45720" rtlCol="0" anchor="b"/>
+          <a:lstStyle>
+            <a:lvl1pPr algn="l">
+              <a:defRPr sz="1200"/>
+            </a:lvl1pPr>
+          </a:lstStyle>
+          <a:p>
+            <a:endParaRPr lang="en-IN"/>
+          </a:p>
+        </p:txBody>
+      </p:sp>
+      <p:sp>
+        <p:nvSpPr>
+          <p:cNvPr id="7" name="Slide Number Placeholder 6"/>
+          <p:cNvSpPr>
+            <a:spLocks noGrp="1"/>
+          </p:cNvSpPr>
+          <p:nvPr>
+            <p:ph type="sldNum" sz="quarter" idx="5"/>
+          </p:nvPr>
+        </p:nvSpPr>
+        <p:spPr>
+          <a:xfrm>
+            <a:off x="3884613" y="8685213"/>
+            <a:ext cx="2971800" cy="458787"/>
+          </a:xfrm>
+          <a:prstGeom prst="rect">
+            <a:avLst/>
+          </a:prstGeom>
+        </p:spPr>
+        <p:txBody>
+          <a:bodyPr vert="horz" lIns="91440" tIns="45720" rIns="91440" bIns="45720" rtlCol="0" anchor="b"/>
+          <a:lstStyle>
+            <a:lvl1pPr algn="r">
+              <a:defRPr sz="1200"/>
+            </a:lvl1pPr>
+          </a:lstStyle>
+          <a:p>
+            <a:fld id="{4D497C92-B13C-4BA9-B102-3AD4480D6AD1}" type="slidenum">
+              <a:rPr lang="en-IN" smtClean="0"/>
+              <a:t>‹#›</a:t>
+            </a:fld>
+            <a:endParaRPr lang="en-IN"/>
+          </a:p>
+        </p:txBody>
+      </p:sp>
+    </p:spTree>
+    <p:extLst>
+      <p:ext uri="{BB962C8B-B14F-4D97-AF65-F5344CB8AC3E}">
+        <p14:creationId xmlns:p14="http://schemas.microsoft.com/office/powerpoint/2010/main" val="3760068470"/>
+      </p:ext>
+    </p:extLst>
+  </p:cSld>
+  <p:clrMap bg1="lt1" tx1="dk1" bg2="lt2" tx2="dk2" accent1="accent1" accent2="accent2" accent3="accent3" accent4="accent4" accent5="accent5" accent6="accent6" hlink="hlink" folHlink="folHlink"/>
+  <p:notesStyle>
+    <a:lvl1pPr marL="0" algn="l" defTabSz="914400" rtl="0" eaLnBrk="1" latinLnBrk="0" hangingPunct="1">
+      <a:defRPr sz="1200" kern="1200">
+        <a:solidFill>
+          <a:schemeClr val="tx1"/>
+        </a:solidFill>
+        <a:latin typeface="+mn-lt"/>
+        <a:ea typeface="+mn-ea"/>
+        <a:cs typeface="+mn-cs"/>
+      </a:defRPr>
+    </a:lvl1pPr>
+    <a:lvl2pPr marL="457200" algn="l" defTabSz="914400" rtl="0" eaLnBrk="1" latinLnBrk="0" hangingPunct="1">
+      <a:defRPr sz="1200" kern="1200">
+        <a:solidFill>
+          <a:schemeClr val="tx1"/>
+        </a:solidFill>
+        <a:latin typeface="+mn-lt"/>
+        <a:ea typeface="+mn-ea"/>
+        <a:cs typeface="+mn-cs"/>
+      </a:defRPr>
+    </a:lvl2pPr>
+    <a:lvl3pPr marL="914400" algn="l" defTabSz="914400" rtl="0" eaLnBrk="1" latinLnBrk="0" hangingPunct="1">
+      <a:defRPr sz="1200" kern="1200">
+        <a:solidFill>
+          <a:schemeClr val="tx1"/>
+        </a:solidFill>
+        <a:latin typeface="+mn-lt"/>
+        <a:ea typeface="+mn-ea"/>
+        <a:cs typeface="+mn-cs"/>
+      </a:defRPr>
+    </a:lvl3pPr>
+    <a:lvl4pPr marL="1371600" algn="l" defTabSz="914400" rtl="0" eaLnBrk="1" latinLnBrk="0" hangingPunct="1">
+      <a:defRPr sz="1200" kern="1200">
+        <a:solidFill>
+          <a:schemeClr val="tx1"/>
+        </a:solidFill>
+        <a:latin typeface="+mn-lt"/>
+        <a:ea typeface="+mn-ea"/>
+        <a:cs typeface="+mn-cs"/>
+      </a:defRPr>
+    </a:lvl4pPr>
+    <a:lvl5pPr marL="1828800" algn="l" defTabSz="914400" rtl="0" eaLnBrk="1" latinLnBrk="0" hangingPunct="1">
+      <a:defRPr sz="1200" kern="1200">
+        <a:solidFill>
+          <a:schemeClr val="tx1"/>
+        </a:solidFill>
+        <a:latin typeface="+mn-lt"/>
+        <a:ea typeface="+mn-ea"/>
+        <a:cs typeface="+mn-cs"/>
+      </a:defRPr>
+    </a:lvl5pPr>
+    <a:lvl6pPr marL="2286000" algn="l" defTabSz="914400" rtl="0" eaLnBrk="1" latinLnBrk="0" hangingPunct="1">
+      <a:defRPr sz="1200" kern="1200">
+        <a:solidFill>
+          <a:schemeClr val="tx1"/>
+        </a:solidFill>
+        <a:latin typeface="+mn-lt"/>
+        <a:ea typeface="+mn-ea"/>
+        <a:cs typeface="+mn-cs"/>
+      </a:defRPr>
+    </a:lvl6pPr>
+    <a:lvl7pPr marL="2743200" algn="l" defTabSz="914400" rtl="0" eaLnBrk="1" latinLnBrk="0" hangingPunct="1">
+      <a:defRPr sz="1200" kern="1200">
+        <a:solidFill>
+          <a:schemeClr val="tx1"/>
+        </a:solidFill>
+        <a:latin typeface="+mn-lt"/>
+        <a:ea typeface="+mn-ea"/>
+        <a:cs typeface="+mn-cs"/>
+      </a:defRPr>
+    </a:lvl7pPr>
+    <a:lvl8pPr marL="3200400" algn="l" defTabSz="914400" rtl="0" eaLnBrk="1" latinLnBrk="0" hangingPunct="1">
+      <a:defRPr sz="1200" kern="1200">
+        <a:solidFill>
+          <a:schemeClr val="tx1"/>
+        </a:solidFill>
+        <a:latin typeface="+mn-lt"/>
+        <a:ea typeface="+mn-ea"/>
+        <a:cs typeface="+mn-cs"/>
+      </a:defRPr>
+    </a:lvl8pPr>
+    <a:lvl9pPr marL="3657600" algn="l" defTabSz="914400" rtl="0" eaLnBrk="1" latinLnBrk="0" hangingPunct="1">
+      <a:defRPr sz="1200" kern="1200">
+        <a:solidFill>
+          <a:schemeClr val="tx1"/>
+        </a:solidFill>
+        <a:latin typeface="+mn-lt"/>
+        <a:ea typeface="+mn-ea"/>
+        <a:cs typeface="+mn-cs"/>
+      </a:defRPr>
+    </a:lvl9pPr>
+  </p:notesStyle>
+</p:notesMaster>
+</file>
+
+<file path=ppt/notesSlides/notesSlide1.xml><?xml version="1.0" encoding="utf-8"?>
+<p:notes xmlns:a="http://schemas.openxmlformats.org/drawingml/2006/main" xmlns:r="http://schemas.openxmlformats.org/officeDocument/2006/relationships" xmlns:p="http://schemas.openxmlformats.org/presentationml/2006/main">
+  <p:cSld>
+    <p:spTree>
+      <p:nvGrpSpPr>
+        <p:cNvPr id="1" name=""/>
+        <p:cNvGrpSpPr/>
+        <p:nvPr/>
+      </p:nvGrpSpPr>
+      <p:grpSpPr>
+        <a:xfrm>
+          <a:off x="0" y="0"/>
+          <a:ext cx="0" cy="0"/>
+          <a:chOff x="0" y="0"/>
+          <a:chExt cx="0" cy="0"/>
+        </a:xfrm>
+      </p:grpSpPr>
+      <p:sp>
+        <p:nvSpPr>
+          <p:cNvPr id="2" name="Slide Image Placeholder 1"/>
+          <p:cNvSpPr>
+            <a:spLocks noGrp="1" noRot="1" noChangeAspect="1"/>
+          </p:cNvSpPr>
+          <p:nvPr>
+            <p:ph type="sldImg"/>
+          </p:nvPr>
+        </p:nvSpPr>
+        <p:spPr/>
+      </p:sp>
+      <p:sp>
+        <p:nvSpPr>
+          <p:cNvPr id="3" name="Notes Placeholder 2"/>
+          <p:cNvSpPr>
+            <a:spLocks noGrp="1"/>
+          </p:cNvSpPr>
+          <p:nvPr>
+            <p:ph type="body" idx="1"/>
+          </p:nvPr>
+        </p:nvSpPr>
+        <p:spPr/>
+        <p:txBody>
+          <a:bodyPr/>
+          <a:lstStyle/>
+          <a:p>
+            <a:endParaRPr lang="en-IN" dirty="0"/>
+          </a:p>
+        </p:txBody>
+      </p:sp>
+      <p:sp>
+        <p:nvSpPr>
+          <p:cNvPr id="4" name="Slide Number Placeholder 3"/>
+          <p:cNvSpPr>
+            <a:spLocks noGrp="1"/>
+          </p:cNvSpPr>
+          <p:nvPr>
+            <p:ph type="sldNum" sz="quarter" idx="10"/>
+          </p:nvPr>
+        </p:nvSpPr>
+        <p:spPr/>
+        <p:txBody>
+          <a:bodyPr/>
+          <a:lstStyle/>
+          <a:p>
+            <a:fld id="{4D497C92-B13C-4BA9-B102-3AD4480D6AD1}" type="slidenum">
+              <a:rPr lang="en-IN" smtClean="0"/>
+              <a:t>15</a:t>
+            </a:fld>
+            <a:endParaRPr lang="en-IN"/>
+          </a:p>
+        </p:txBody>
+      </p:sp>
+    </p:spTree>
+    <p:extLst>
+      <p:ext uri="{BB962C8B-B14F-4D97-AF65-F5344CB8AC3E}">
+        <p14:creationId xmlns:p14="http://schemas.microsoft.com/office/powerpoint/2010/main" val="3288155634"/>
+      </p:ext>
+    </p:extLst>
+  </p:cSld>
+  <p:clrMapOvr>
+    <a:masterClrMapping/>
+  </p:clrMapOvr>
+</p:notes>
 </file>
 
 <file path=ppt/slideLayouts/slideLayout1.xml><?xml version="1.0" encoding="utf-8"?>
@@ -2987,7 +3430,7 @@
           <p:cNvPr id="2" name="Title 1">
             <a:extLst>
               <a:ext uri="{FF2B5EF4-FFF2-40B4-BE49-F238E27FC236}">
-                <a16:creationId xmlns:a16="http://schemas.microsoft.com/office/drawing/2014/main" id="{D9EF50D3-42EF-2DBF-E3A6-205691366001}"/>
+                <a16:creationId xmlns:a16="http://schemas.microsoft.com/office/drawing/2014/main" xmlns="" id="{D9EF50D3-42EF-2DBF-E3A6-205691366001}"/>
               </a:ext>
             </a:extLst>
           </p:cNvPr>
@@ -3005,7 +3448,15 @@
           <a:p>
             <a:r>
               <a:rPr lang="en-IN" b="1" dirty="0"/>
-              <a:t>TDD / Junit 5</a:t>
+              <a:t>TDD </a:t>
+            </a:r>
+            <a:r>
+              <a:rPr lang="en-IN" b="1" dirty="0" smtClean="0"/>
+              <a:t>&amp; </a:t>
+            </a:r>
+            <a:r>
+              <a:rPr lang="en-IN" b="1" dirty="0"/>
+              <a:t>Junit 5</a:t>
             </a:r>
           </a:p>
         </p:txBody>
@@ -3015,7 +3466,7 @@
           <p:cNvPr id="3" name="Subtitle 2">
             <a:extLst>
               <a:ext uri="{FF2B5EF4-FFF2-40B4-BE49-F238E27FC236}">
-                <a16:creationId xmlns:a16="http://schemas.microsoft.com/office/drawing/2014/main" id="{AE7970C0-21D6-595C-E4AB-F590C3751503}"/>
+                <a16:creationId xmlns:a16="http://schemas.microsoft.com/office/drawing/2014/main" xmlns="" id="{AE7970C0-21D6-595C-E4AB-F590C3751503}"/>
               </a:ext>
             </a:extLst>
           </p:cNvPr>
@@ -3053,6 +3504,13 @@
   <p:clrMapOvr>
     <a:masterClrMapping/>
   </p:clrMapOvr>
+  <p:timing>
+    <p:tnLst>
+      <p:par>
+        <p:cTn id="1" dur="indefinite" restart="never" nodeType="tmRoot"/>
+      </p:par>
+    </p:tnLst>
+  </p:timing>
 </p:sld>
 </file>
 
@@ -3075,10 +3533,305 @@
       </p:grpSpPr>
       <p:sp>
         <p:nvSpPr>
+          <p:cNvPr id="3" name="Content Placeholder 2">
+            <a:extLst>
+              <a:ext uri="{FF2B5EF4-FFF2-40B4-BE49-F238E27FC236}">
+                <a16:creationId xmlns:a16="http://schemas.microsoft.com/office/drawing/2014/main" xmlns="" id="{6DAD615B-9F32-8158-563E-EDC3BF41DF4B}"/>
+              </a:ext>
+            </a:extLst>
+          </p:cNvPr>
+          <p:cNvSpPr>
+            <a:spLocks noGrp="1"/>
+          </p:cNvSpPr>
+          <p:nvPr>
+            <p:ph idx="1"/>
+          </p:nvPr>
+        </p:nvSpPr>
+        <p:spPr>
+          <a:xfrm>
+            <a:off x="838200" y="273377"/>
+            <a:ext cx="10515600" cy="6476215"/>
+          </a:xfrm>
+        </p:spPr>
+        <p:txBody>
+          <a:bodyPr>
+            <a:normAutofit fontScale="70000" lnSpcReduction="20000"/>
+          </a:bodyPr>
+          <a:lstStyle/>
+          <a:p>
+            <a:pPr marL="0" indent="0" algn="l">
+              <a:buNone/>
+            </a:pPr>
+            <a:r>
+              <a:rPr lang="en-US" b="0" i="0" dirty="0">
+                <a:solidFill>
+                  <a:srgbClr val="D1D5DB"/>
+                </a:solidFill>
+                <a:effectLst/>
+                <a:latin typeface="Söhne"/>
+              </a:rPr>
+              <a:t>Red:</a:t>
+            </a:r>
+          </a:p>
+          <a:p>
+            <a:pPr algn="l">
+              <a:buFont typeface="Arial" panose="020B0604020202020204" pitchFamily="34" charset="0"/>
+              <a:buChar char="•"/>
+            </a:pPr>
+            <a:r>
+              <a:rPr lang="en-US" b="0" i="0" dirty="0">
+                <a:solidFill>
+                  <a:srgbClr val="D1D5DB"/>
+                </a:solidFill>
+                <a:effectLst/>
+                <a:latin typeface="Söhne"/>
+              </a:rPr>
+              <a:t>Write a failing test that specifies the desired behavior or functionality.</a:t>
+            </a:r>
+          </a:p>
+          <a:p>
+            <a:pPr algn="l">
+              <a:buFont typeface="Arial" panose="020B0604020202020204" pitchFamily="34" charset="0"/>
+              <a:buChar char="•"/>
+            </a:pPr>
+            <a:r>
+              <a:rPr lang="en-US" b="0" i="0" dirty="0">
+                <a:solidFill>
+                  <a:srgbClr val="D1D5DB"/>
+                </a:solidFill>
+                <a:effectLst/>
+                <a:latin typeface="Söhne"/>
+              </a:rPr>
+              <a:t>The test should focus on a specific behavior and should not pass initially.</a:t>
+            </a:r>
+          </a:p>
+          <a:p>
+            <a:pPr algn="l">
+              <a:buFont typeface="Arial" panose="020B0604020202020204" pitchFamily="34" charset="0"/>
+              <a:buChar char="•"/>
+            </a:pPr>
+            <a:r>
+              <a:rPr lang="en-US" b="0" i="0" dirty="0">
+                <a:solidFill>
+                  <a:srgbClr val="D1D5DB"/>
+                </a:solidFill>
+                <a:effectLst/>
+                <a:latin typeface="Söhne"/>
+              </a:rPr>
+              <a:t>The failing test acts as a clear indicator of what needs to be implemented.</a:t>
+            </a:r>
+          </a:p>
+          <a:p>
+            <a:pPr marL="0" indent="0" algn="l">
+              <a:buNone/>
+            </a:pPr>
+            <a:r>
+              <a:rPr lang="en-US" b="0" i="0" dirty="0">
+                <a:solidFill>
+                  <a:srgbClr val="D1D5DB"/>
+                </a:solidFill>
+                <a:effectLst/>
+                <a:latin typeface="Söhne"/>
+              </a:rPr>
+              <a:t>Green:</a:t>
+            </a:r>
+          </a:p>
+          <a:p>
+            <a:pPr algn="l">
+              <a:buFont typeface="Arial" panose="020B0604020202020204" pitchFamily="34" charset="0"/>
+              <a:buChar char="•"/>
+            </a:pPr>
+            <a:r>
+              <a:rPr lang="en-US" b="0" i="0" dirty="0">
+                <a:solidFill>
+                  <a:srgbClr val="D1D5DB"/>
+                </a:solidFill>
+                <a:effectLst/>
+                <a:latin typeface="Söhne"/>
+              </a:rPr>
+              <a:t>Write the minimum amount of code necessary to make the failing test pass.</a:t>
+            </a:r>
+          </a:p>
+          <a:p>
+            <a:pPr algn="l">
+              <a:buFont typeface="Arial" panose="020B0604020202020204" pitchFamily="34" charset="0"/>
+              <a:buChar char="•"/>
+            </a:pPr>
+            <a:r>
+              <a:rPr lang="en-US" b="0" i="0" dirty="0">
+                <a:solidFill>
+                  <a:srgbClr val="D1D5DB"/>
+                </a:solidFill>
+                <a:effectLst/>
+                <a:latin typeface="Söhne"/>
+              </a:rPr>
+              <a:t>The code should be focused on meeting the requirements of the failing test only.</a:t>
+            </a:r>
+          </a:p>
+          <a:p>
+            <a:pPr algn="l">
+              <a:buFont typeface="Arial" panose="020B0604020202020204" pitchFamily="34" charset="0"/>
+              <a:buChar char="•"/>
+            </a:pPr>
+            <a:r>
+              <a:rPr lang="en-US" b="0" i="0" dirty="0">
+                <a:solidFill>
+                  <a:srgbClr val="D1D5DB"/>
+                </a:solidFill>
+                <a:effectLst/>
+                <a:latin typeface="Söhne"/>
+              </a:rPr>
+              <a:t>It doesn't need to be perfect or optimized at this stage, as the primary goal is to make the test pass.</a:t>
+            </a:r>
+          </a:p>
+          <a:p>
+            <a:pPr marL="0" indent="0" algn="l">
+              <a:buNone/>
+            </a:pPr>
+            <a:r>
+              <a:rPr lang="en-US" b="0" i="0" dirty="0">
+                <a:solidFill>
+                  <a:srgbClr val="D1D5DB"/>
+                </a:solidFill>
+                <a:effectLst/>
+                <a:latin typeface="Söhne"/>
+              </a:rPr>
+              <a:t>Refactor:</a:t>
+            </a:r>
+          </a:p>
+          <a:p>
+            <a:pPr algn="l">
+              <a:buFont typeface="Arial" panose="020B0604020202020204" pitchFamily="34" charset="0"/>
+              <a:buChar char="•"/>
+            </a:pPr>
+            <a:r>
+              <a:rPr lang="en-US" b="0" i="0" dirty="0">
+                <a:solidFill>
+                  <a:srgbClr val="D1D5DB"/>
+                </a:solidFill>
+                <a:effectLst/>
+                <a:latin typeface="Söhne"/>
+              </a:rPr>
+              <a:t>Improve the code's design while keeping the tests passing.</a:t>
+            </a:r>
+          </a:p>
+          <a:p>
+            <a:pPr algn="l">
+              <a:buFont typeface="Arial" panose="020B0604020202020204" pitchFamily="34" charset="0"/>
+              <a:buChar char="•"/>
+            </a:pPr>
+            <a:r>
+              <a:rPr lang="en-US" b="0" i="0" dirty="0">
+                <a:solidFill>
+                  <a:srgbClr val="D1D5DB"/>
+                </a:solidFill>
+                <a:effectLst/>
+                <a:latin typeface="Söhne"/>
+              </a:rPr>
+              <a:t>Refactoring involves restructuring the code without changing its external behavior.</a:t>
+            </a:r>
+          </a:p>
+          <a:p>
+            <a:pPr algn="l">
+              <a:buFont typeface="Arial" panose="020B0604020202020204" pitchFamily="34" charset="0"/>
+              <a:buChar char="•"/>
+            </a:pPr>
+            <a:r>
+              <a:rPr lang="en-US" b="0" i="0" dirty="0">
+                <a:solidFill>
+                  <a:srgbClr val="D1D5DB"/>
+                </a:solidFill>
+                <a:effectLst/>
+                <a:latin typeface="Söhne"/>
+              </a:rPr>
+              <a:t>This step ensures that the code is clean, readable, and follows best practices.</a:t>
+            </a:r>
+          </a:p>
+          <a:p>
+            <a:pPr algn="l">
+              <a:buFont typeface="Arial" panose="020B0604020202020204" pitchFamily="34" charset="0"/>
+              <a:buChar char="•"/>
+            </a:pPr>
+            <a:r>
+              <a:rPr lang="en-US" b="0" i="0" dirty="0">
+                <a:solidFill>
+                  <a:srgbClr val="D1D5DB"/>
+                </a:solidFill>
+                <a:effectLst/>
+                <a:latin typeface="Söhne"/>
+              </a:rPr>
+              <a:t>Refactoring can include eliminating duplication, improving naming conventions, optimizing performance, or applying design patterns.</a:t>
+            </a:r>
+          </a:p>
+          <a:p>
+            <a:pPr marL="0" indent="0" algn="l">
+              <a:buNone/>
+            </a:pPr>
+            <a:r>
+              <a:rPr lang="en-US" dirty="0">
+                <a:solidFill>
+                  <a:srgbClr val="D1D5DB"/>
+                </a:solidFill>
+                <a:latin typeface="Söhne"/>
+              </a:rPr>
+              <a:t>	</a:t>
+            </a:r>
+            <a:r>
+              <a:rPr lang="en-US" b="0" i="0" dirty="0">
+                <a:solidFill>
+                  <a:srgbClr val="D1D5DB"/>
+                </a:solidFill>
+                <a:effectLst/>
+                <a:latin typeface="Söhne"/>
+              </a:rPr>
+              <a:t>The Red-Green-Refactor cycle is then repeated for each new behavior or functionality that needs to be implemented. By following this process, developers can incrementally build the software while maintaining a suite of automated tests that provide feedback on the code's correctness. This approach promotes better code design, reduces the risk of introducing bugs, and allows for more confident and efficient development.</a:t>
+            </a:r>
+          </a:p>
+        </p:txBody>
+      </p:sp>
+    </p:spTree>
+    <p:extLst>
+      <p:ext uri="{BB962C8B-B14F-4D97-AF65-F5344CB8AC3E}">
+        <p14:creationId xmlns:p14="http://schemas.microsoft.com/office/powerpoint/2010/main" val="1046845616"/>
+      </p:ext>
+    </p:extLst>
+  </p:cSld>
+  <p:clrMapOvr>
+    <a:masterClrMapping/>
+  </p:clrMapOvr>
+  <p:timing>
+    <p:tnLst>
+      <p:par>
+        <p:cTn id="1" dur="indefinite" restart="never" nodeType="tmRoot"/>
+      </p:par>
+    </p:tnLst>
+  </p:timing>
+</p:sld>
+</file>
+
+<file path=ppt/slides/slide11.xml><?xml version="1.0" encoding="utf-8"?>
+<p:sld xmlns:a="http://schemas.openxmlformats.org/drawingml/2006/main" xmlns:r="http://schemas.openxmlformats.org/officeDocument/2006/relationships" xmlns:p="http://schemas.openxmlformats.org/presentationml/2006/main">
+  <p:cSld>
+    <p:spTree>
+      <p:nvGrpSpPr>
+        <p:cNvPr id="1" name=""/>
+        <p:cNvGrpSpPr/>
+        <p:nvPr/>
+      </p:nvGrpSpPr>
+      <p:grpSpPr>
+        <a:xfrm>
+          <a:off x="0" y="0"/>
+          <a:ext cx="0" cy="0"/>
+          <a:chOff x="0" y="0"/>
+          <a:chExt cx="0" cy="0"/>
+        </a:xfrm>
+      </p:grpSpPr>
+      <p:sp>
+        <p:nvSpPr>
           <p:cNvPr id="2" name="Title 1">
             <a:extLst>
               <a:ext uri="{FF2B5EF4-FFF2-40B4-BE49-F238E27FC236}">
-                <a16:creationId xmlns:a16="http://schemas.microsoft.com/office/drawing/2014/main" id="{982F57C6-1550-D251-6614-753A67D0710C}"/>
+                <a16:creationId xmlns:a16="http://schemas.microsoft.com/office/drawing/2014/main" xmlns="" id="{982F57C6-1550-D251-6614-753A67D0710C}"/>
               </a:ext>
             </a:extLst>
           </p:cNvPr>
@@ -3106,7 +3859,7 @@
           <p:cNvPr id="3" name="Content Placeholder 2">
             <a:extLst>
               <a:ext uri="{FF2B5EF4-FFF2-40B4-BE49-F238E27FC236}">
-                <a16:creationId xmlns:a16="http://schemas.microsoft.com/office/drawing/2014/main" id="{58F1599F-B50B-25F5-CFFF-DFFEFADBD3E3}"/>
+                <a16:creationId xmlns:a16="http://schemas.microsoft.com/office/drawing/2014/main" xmlns="" id="{58F1599F-B50B-25F5-CFFF-DFFEFADBD3E3}"/>
               </a:ext>
             </a:extLst>
           </p:cNvPr>
@@ -3122,6 +3875,34 @@
           <a:bodyPr/>
           <a:lstStyle/>
           <a:p>
+            <a:pPr marL="0" indent="0">
+              <a:buNone/>
+            </a:pPr>
+            <a:r>
+              <a:rPr lang="en-US" dirty="0" smtClean="0"/>
+              <a:t>	JUnit </a:t>
+            </a:r>
+            <a:r>
+              <a:rPr lang="en-US" dirty="0"/>
+              <a:t>5 is the next generation of JUnit. The goal is to create an up-to-date foundation for developer-side testing on the JVM. This includes focusing on Java 8 and above, as well as enabling many different styles of testing</a:t>
+            </a:r>
+            <a:r>
+              <a:rPr lang="en-US" dirty="0" smtClean="0"/>
+              <a:t>.</a:t>
+            </a:r>
+          </a:p>
+          <a:p>
+            <a:pPr marL="0" indent="0">
+              <a:buNone/>
+            </a:pPr>
+            <a:r>
+              <a:rPr lang="en-US" dirty="0"/>
+              <a:t>	</a:t>
+            </a:r>
+            <a:r>
+              <a:rPr lang="en-US" dirty="0" smtClean="0"/>
+              <a:t>We will see what’s new Junit 5 when compared with its predecessors</a:t>
+            </a:r>
             <a:endParaRPr lang="en-IN" dirty="0"/>
           </a:p>
         </p:txBody>
@@ -3136,6 +3917,641 @@
   <p:clrMapOvr>
     <a:masterClrMapping/>
   </p:clrMapOvr>
+  <p:timing>
+    <p:tnLst>
+      <p:par>
+        <p:cTn id="1" dur="indefinite" restart="never" nodeType="tmRoot"/>
+      </p:par>
+    </p:tnLst>
+  </p:timing>
+</p:sld>
+</file>
+
+<file path=ppt/slides/slide12.xml><?xml version="1.0" encoding="utf-8"?>
+<p:sld xmlns:a="http://schemas.openxmlformats.org/drawingml/2006/main" xmlns:r="http://schemas.openxmlformats.org/officeDocument/2006/relationships" xmlns:p="http://schemas.openxmlformats.org/presentationml/2006/main">
+  <p:cSld>
+    <p:spTree>
+      <p:nvGrpSpPr>
+        <p:cNvPr id="1" name=""/>
+        <p:cNvGrpSpPr/>
+        <p:nvPr/>
+      </p:nvGrpSpPr>
+      <p:grpSpPr>
+        <a:xfrm>
+          <a:off x="0" y="0"/>
+          <a:ext cx="0" cy="0"/>
+          <a:chOff x="0" y="0"/>
+          <a:chExt cx="0" cy="0"/>
+        </a:xfrm>
+      </p:grpSpPr>
+      <p:sp>
+        <p:nvSpPr>
+          <p:cNvPr id="2" name="Title 1"/>
+          <p:cNvSpPr>
+            <a:spLocks noGrp="1"/>
+          </p:cNvSpPr>
+          <p:nvPr>
+            <p:ph type="title"/>
+          </p:nvPr>
+        </p:nvSpPr>
+        <p:spPr/>
+        <p:txBody>
+          <a:bodyPr/>
+          <a:lstStyle/>
+          <a:p>
+            <a:r>
+              <a:rPr lang="en-US" b="1" dirty="0" smtClean="0"/>
+              <a:t>Annotations we need to know</a:t>
+            </a:r>
+            <a:endParaRPr lang="en-IN" b="1" dirty="0"/>
+          </a:p>
+        </p:txBody>
+      </p:sp>
+      <p:sp>
+        <p:nvSpPr>
+          <p:cNvPr id="3" name="Content Placeholder 2"/>
+          <p:cNvSpPr>
+            <a:spLocks noGrp="1"/>
+          </p:cNvSpPr>
+          <p:nvPr>
+            <p:ph idx="1"/>
+          </p:nvPr>
+        </p:nvSpPr>
+        <p:spPr/>
+        <p:txBody>
+          <a:bodyPr>
+            <a:normAutofit fontScale="92500" lnSpcReduction="20000"/>
+          </a:bodyPr>
+          <a:lstStyle/>
+          <a:p>
+            <a:pPr marL="0" indent="0">
+              <a:buNone/>
+            </a:pPr>
+            <a:r>
+              <a:rPr lang="en-US" dirty="0" smtClean="0"/>
+              <a:t>	When </a:t>
+            </a:r>
+            <a:r>
+              <a:rPr lang="en-US" dirty="0"/>
+              <a:t>working with JUnit 5, there are several annotations that you need to be familiar with. These annotations help you define and control the behavior of your test cases. Here are the main annotations used in JUnit 5:</a:t>
+            </a:r>
+          </a:p>
+          <a:p>
+            <a:pPr marL="0" indent="0">
+              <a:buNone/>
+            </a:pPr>
+            <a:endParaRPr lang="en-US" dirty="0"/>
+          </a:p>
+          <a:p>
+            <a:pPr marL="0" indent="0">
+              <a:buNone/>
+            </a:pPr>
+            <a:r>
+              <a:rPr lang="en-US" dirty="0"/>
+              <a:t>@Test: This annotation is used to mark a method as a test case. JUnit 5 will execute all methods annotated with @Test as individual test cases.</a:t>
+            </a:r>
+          </a:p>
+          <a:p>
+            <a:pPr marL="0" indent="0">
+              <a:buNone/>
+            </a:pPr>
+            <a:endParaRPr lang="en-US" dirty="0"/>
+          </a:p>
+          <a:p>
+            <a:pPr marL="0" indent="0">
+              <a:buNone/>
+            </a:pPr>
+            <a:r>
+              <a:rPr lang="en-US" dirty="0"/>
+              <a:t>@ParameterizedTest: This annotation is used to indicate that a test method should be repeated multiple times with different arguments. It allows you to run the same test logic with different inputs</a:t>
+            </a:r>
+            <a:r>
+              <a:rPr lang="en-US" dirty="0" smtClean="0"/>
+              <a:t>.</a:t>
+            </a:r>
+          </a:p>
+          <a:p>
+            <a:pPr marL="0" indent="0">
+              <a:buNone/>
+            </a:pPr>
+            <a:r>
+              <a:rPr lang="en-US" dirty="0"/>
+              <a:t>@RepeatedTest: This annotation is used to repeat a test method a specified number of times. It is useful when you want to execute a test case multiple times to ensure its </a:t>
+            </a:r>
+            <a:r>
+              <a:rPr lang="en-US"/>
+              <a:t>stability</a:t>
+            </a:r>
+            <a:r>
+              <a:rPr lang="en-US" smtClean="0"/>
+              <a:t>.</a:t>
+            </a:r>
+            <a:endParaRPr lang="en-IN" dirty="0"/>
+          </a:p>
+        </p:txBody>
+      </p:sp>
+    </p:spTree>
+    <p:extLst>
+      <p:ext uri="{BB962C8B-B14F-4D97-AF65-F5344CB8AC3E}">
+        <p14:creationId xmlns:p14="http://schemas.microsoft.com/office/powerpoint/2010/main" val="362341928"/>
+      </p:ext>
+    </p:extLst>
+  </p:cSld>
+  <p:clrMapOvr>
+    <a:masterClrMapping/>
+  </p:clrMapOvr>
+  <p:timing>
+    <p:tnLst>
+      <p:par>
+        <p:cTn id="1" dur="indefinite" restart="never" nodeType="tmRoot"/>
+      </p:par>
+    </p:tnLst>
+  </p:timing>
+</p:sld>
+</file>
+
+<file path=ppt/slides/slide13.xml><?xml version="1.0" encoding="utf-8"?>
+<p:sld xmlns:a="http://schemas.openxmlformats.org/drawingml/2006/main" xmlns:r="http://schemas.openxmlformats.org/officeDocument/2006/relationships" xmlns:p="http://schemas.openxmlformats.org/presentationml/2006/main">
+  <p:cSld>
+    <p:spTree>
+      <p:nvGrpSpPr>
+        <p:cNvPr id="1" name=""/>
+        <p:cNvGrpSpPr/>
+        <p:nvPr/>
+      </p:nvGrpSpPr>
+      <p:grpSpPr>
+        <a:xfrm>
+          <a:off x="0" y="0"/>
+          <a:ext cx="0" cy="0"/>
+          <a:chOff x="0" y="0"/>
+          <a:chExt cx="0" cy="0"/>
+        </a:xfrm>
+      </p:grpSpPr>
+      <p:sp>
+        <p:nvSpPr>
+          <p:cNvPr id="3" name="Content Placeholder 2"/>
+          <p:cNvSpPr>
+            <a:spLocks noGrp="1"/>
+          </p:cNvSpPr>
+          <p:nvPr>
+            <p:ph idx="1"/>
+          </p:nvPr>
+        </p:nvSpPr>
+        <p:spPr>
+          <a:xfrm>
+            <a:off x="838200" y="545910"/>
+            <a:ext cx="10515600" cy="5631053"/>
+          </a:xfrm>
+        </p:spPr>
+        <p:txBody>
+          <a:bodyPr>
+            <a:normAutofit fontScale="92500" lnSpcReduction="10000"/>
+          </a:bodyPr>
+          <a:lstStyle/>
+          <a:p>
+            <a:pPr marL="0" indent="0">
+              <a:buNone/>
+            </a:pPr>
+            <a:r>
+              <a:rPr lang="en-US" dirty="0" smtClean="0"/>
+              <a:t>@DisplayName: This annotation is used to provide a custom display name for a test class or method. It allows you to give more descriptive names to your tests, making them easier to understand.</a:t>
+            </a:r>
+            <a:endParaRPr lang="en-US" dirty="0"/>
+          </a:p>
+          <a:p>
+            <a:pPr marL="0" indent="0">
+              <a:buNone/>
+            </a:pPr>
+            <a:r>
+              <a:rPr lang="en-US" dirty="0"/>
+              <a:t>@BeforeAll: This annotation is used to indicate that a static method should be executed once before all test methods in a test class. It is typically used for setup operations that need to be performed once at the beginning</a:t>
+            </a:r>
+            <a:r>
+              <a:rPr lang="en-US" dirty="0" smtClean="0"/>
+              <a:t>.</a:t>
+            </a:r>
+            <a:endParaRPr lang="en-US" dirty="0"/>
+          </a:p>
+          <a:p>
+            <a:pPr marL="0" indent="0">
+              <a:buNone/>
+            </a:pPr>
+            <a:r>
+              <a:rPr lang="en-US" dirty="0"/>
+              <a:t>@AfterAll: This annotation is used to indicate that a static method should be executed once after all test methods in a test class. It is typically used for cleanup operations that need to be performed once at the end</a:t>
+            </a:r>
+            <a:r>
+              <a:rPr lang="en-US" dirty="0" smtClean="0"/>
+              <a:t>.</a:t>
+            </a:r>
+            <a:endParaRPr lang="en-US" dirty="0"/>
+          </a:p>
+          <a:p>
+            <a:pPr marL="0" indent="0">
+              <a:buNone/>
+            </a:pPr>
+            <a:r>
+              <a:rPr lang="en-US" dirty="0"/>
+              <a:t>@BeforeEach: This annotation is used to indicate that a method should be executed before each test method in a test class. It is typically used for setup operations that need to be performed before each test</a:t>
+            </a:r>
+            <a:r>
+              <a:rPr lang="en-US" dirty="0" smtClean="0"/>
+              <a:t>.</a:t>
+            </a:r>
+            <a:endParaRPr lang="en-US" dirty="0"/>
+          </a:p>
+          <a:p>
+            <a:pPr marL="0" indent="0">
+              <a:buNone/>
+            </a:pPr>
+            <a:r>
+              <a:rPr lang="en-US" dirty="0"/>
+              <a:t>@AfterEach: This annotation is used to indicate that a method should be executed after each test method in a test class. It is typically used for cleanup operations that need to be performed after each test.</a:t>
+            </a:r>
+            <a:endParaRPr lang="en-IN" dirty="0"/>
+          </a:p>
+        </p:txBody>
+      </p:sp>
+    </p:spTree>
+    <p:extLst>
+      <p:ext uri="{BB962C8B-B14F-4D97-AF65-F5344CB8AC3E}">
+        <p14:creationId xmlns:p14="http://schemas.microsoft.com/office/powerpoint/2010/main" val="1959568286"/>
+      </p:ext>
+    </p:extLst>
+  </p:cSld>
+  <p:clrMapOvr>
+    <a:masterClrMapping/>
+  </p:clrMapOvr>
+  <p:timing>
+    <p:tnLst>
+      <p:par>
+        <p:cTn id="1" dur="indefinite" restart="never" nodeType="tmRoot"/>
+      </p:par>
+    </p:tnLst>
+  </p:timing>
+</p:sld>
+</file>
+
+<file path=ppt/slides/slide14.xml><?xml version="1.0" encoding="utf-8"?>
+<p:sld xmlns:a="http://schemas.openxmlformats.org/drawingml/2006/main" xmlns:r="http://schemas.openxmlformats.org/officeDocument/2006/relationships" xmlns:p="http://schemas.openxmlformats.org/presentationml/2006/main">
+  <p:cSld>
+    <p:spTree>
+      <p:nvGrpSpPr>
+        <p:cNvPr id="1" name=""/>
+        <p:cNvGrpSpPr/>
+        <p:nvPr/>
+      </p:nvGrpSpPr>
+      <p:grpSpPr>
+        <a:xfrm>
+          <a:off x="0" y="0"/>
+          <a:ext cx="0" cy="0"/>
+          <a:chOff x="0" y="0"/>
+          <a:chExt cx="0" cy="0"/>
+        </a:xfrm>
+      </p:grpSpPr>
+      <p:sp>
+        <p:nvSpPr>
+          <p:cNvPr id="3" name="Content Placeholder 2"/>
+          <p:cNvSpPr>
+            <a:spLocks noGrp="1"/>
+          </p:cNvSpPr>
+          <p:nvPr>
+            <p:ph idx="1"/>
+          </p:nvPr>
+        </p:nvSpPr>
+        <p:spPr>
+          <a:xfrm>
+            <a:off x="838200" y="627797"/>
+            <a:ext cx="10515600" cy="5549166"/>
+          </a:xfrm>
+        </p:spPr>
+        <p:txBody>
+          <a:bodyPr>
+            <a:normAutofit lnSpcReduction="10000"/>
+          </a:bodyPr>
+          <a:lstStyle/>
+          <a:p>
+            <a:pPr marL="0" indent="0">
+              <a:buNone/>
+            </a:pPr>
+            <a:r>
+              <a:rPr lang="en-US" dirty="0"/>
+              <a:t>@Disabled: This annotation is used to disable a test class or method. When a test is disabled, it will be ignored during test execution.</a:t>
+            </a:r>
+          </a:p>
+          <a:p>
+            <a:pPr marL="0" indent="0">
+              <a:buNone/>
+            </a:pPr>
+            <a:endParaRPr lang="en-US" dirty="0"/>
+          </a:p>
+          <a:p>
+            <a:pPr marL="0" indent="0">
+              <a:buNone/>
+            </a:pPr>
+            <a:r>
+              <a:rPr lang="en-US" dirty="0"/>
+              <a:t>@Timeout: This annotation is used to specify a timeout for a test method. If the test method takes longer than the specified timeout, it will be marked as a failure.</a:t>
+            </a:r>
+          </a:p>
+          <a:p>
+            <a:pPr marL="0" indent="0">
+              <a:buNone/>
+            </a:pPr>
+            <a:endParaRPr lang="en-US" dirty="0"/>
+          </a:p>
+          <a:p>
+            <a:pPr marL="0" indent="0">
+              <a:buNone/>
+            </a:pPr>
+            <a:r>
+              <a:rPr lang="en-US" dirty="0"/>
+              <a:t>@Nested: This annotation is used to define nested test classes. It allows you to group related test cases together and provides a clearer test structure.</a:t>
+            </a:r>
+          </a:p>
+          <a:p>
+            <a:pPr marL="0" indent="0">
+              <a:buNone/>
+            </a:pPr>
+            <a:endParaRPr lang="en-US" dirty="0"/>
+          </a:p>
+          <a:p>
+            <a:pPr marL="0" indent="0">
+              <a:buNone/>
+            </a:pPr>
+            <a:r>
+              <a:rPr lang="en-US" dirty="0"/>
+              <a:t>These are some of the commonly used annotations in JUnit 5. They provide a powerful way to define and organize your tests effectively.</a:t>
+            </a:r>
+            <a:endParaRPr lang="en-IN" dirty="0"/>
+          </a:p>
+        </p:txBody>
+      </p:sp>
+    </p:spTree>
+    <p:extLst>
+      <p:ext uri="{BB962C8B-B14F-4D97-AF65-F5344CB8AC3E}">
+        <p14:creationId xmlns:p14="http://schemas.microsoft.com/office/powerpoint/2010/main" val="2419208495"/>
+      </p:ext>
+    </p:extLst>
+  </p:cSld>
+  <p:clrMapOvr>
+    <a:masterClrMapping/>
+  </p:clrMapOvr>
+  <p:timing>
+    <p:tnLst>
+      <p:par>
+        <p:cTn id="1" dur="indefinite" restart="never" nodeType="tmRoot"/>
+      </p:par>
+    </p:tnLst>
+  </p:timing>
+</p:sld>
+</file>
+
+<file path=ppt/slides/slide15.xml><?xml version="1.0" encoding="utf-8"?>
+<p:sld xmlns:a="http://schemas.openxmlformats.org/drawingml/2006/main" xmlns:r="http://schemas.openxmlformats.org/officeDocument/2006/relationships" xmlns:p="http://schemas.openxmlformats.org/presentationml/2006/main">
+  <p:cSld>
+    <p:spTree>
+      <p:nvGrpSpPr>
+        <p:cNvPr id="1" name=""/>
+        <p:cNvGrpSpPr/>
+        <p:nvPr/>
+      </p:nvGrpSpPr>
+      <p:grpSpPr>
+        <a:xfrm>
+          <a:off x="0" y="0"/>
+          <a:ext cx="0" cy="0"/>
+          <a:chOff x="0" y="0"/>
+          <a:chExt cx="0" cy="0"/>
+        </a:xfrm>
+      </p:grpSpPr>
+      <p:sp>
+        <p:nvSpPr>
+          <p:cNvPr id="2" name="Title 1"/>
+          <p:cNvSpPr>
+            <a:spLocks noGrp="1"/>
+          </p:cNvSpPr>
+          <p:nvPr>
+            <p:ph type="title"/>
+          </p:nvPr>
+        </p:nvSpPr>
+        <p:spPr/>
+        <p:txBody>
+          <a:bodyPr>
+            <a:normAutofit/>
+          </a:bodyPr>
+          <a:lstStyle/>
+          <a:p>
+            <a:r>
+              <a:rPr lang="en-US" sz="3600" b="1" dirty="0" smtClean="0"/>
+              <a:t>Annotation changes(Comparing with previous versions)</a:t>
+            </a:r>
+            <a:endParaRPr lang="en-IN" sz="3600" b="1" dirty="0"/>
+          </a:p>
+        </p:txBody>
+      </p:sp>
+      <p:sp>
+        <p:nvSpPr>
+          <p:cNvPr id="3" name="Content Placeholder 2"/>
+          <p:cNvSpPr>
+            <a:spLocks noGrp="1"/>
+          </p:cNvSpPr>
+          <p:nvPr>
+            <p:ph idx="1"/>
+          </p:nvPr>
+        </p:nvSpPr>
+        <p:spPr/>
+        <p:txBody>
+          <a:bodyPr>
+            <a:normAutofit/>
+          </a:bodyPr>
+          <a:lstStyle/>
+          <a:p>
+            <a:r>
+              <a:rPr lang="en-US" sz="2400" i="1" dirty="0"/>
+              <a:t>@Before</a:t>
+            </a:r>
+            <a:r>
+              <a:rPr lang="en-US" sz="2400" dirty="0"/>
+              <a:t> annotation is now </a:t>
+            </a:r>
+            <a:r>
+              <a:rPr lang="en-US" sz="2400" i="1" dirty="0"/>
+              <a:t>@BeforeEach</a:t>
+            </a:r>
+            <a:endParaRPr lang="en-US" sz="2400" dirty="0"/>
+          </a:p>
+          <a:p>
+            <a:r>
+              <a:rPr lang="en-US" sz="2400" i="1" dirty="0"/>
+              <a:t>@After</a:t>
+            </a:r>
+            <a:r>
+              <a:rPr lang="en-US" sz="2400" dirty="0"/>
+              <a:t> annotation is now </a:t>
+            </a:r>
+            <a:r>
+              <a:rPr lang="en-US" sz="2400" i="1" dirty="0"/>
+              <a:t>@AfterEach</a:t>
+            </a:r>
+            <a:endParaRPr lang="en-US" sz="2400" dirty="0"/>
+          </a:p>
+          <a:p>
+            <a:r>
+              <a:rPr lang="en-US" sz="2400" i="1" dirty="0"/>
+              <a:t>@BeforeClass</a:t>
+            </a:r>
+            <a:r>
+              <a:rPr lang="en-US" sz="2400" dirty="0"/>
+              <a:t> annotation is now </a:t>
+            </a:r>
+            <a:r>
+              <a:rPr lang="en-US" sz="2400" i="1" dirty="0"/>
+              <a:t>@BeforeAll</a:t>
+            </a:r>
+            <a:endParaRPr lang="en-US" sz="2400" dirty="0"/>
+          </a:p>
+          <a:p>
+            <a:r>
+              <a:rPr lang="en-US" sz="2400" i="1" dirty="0"/>
+              <a:t>@AfterClass</a:t>
+            </a:r>
+            <a:r>
+              <a:rPr lang="en-US" sz="2400" dirty="0"/>
+              <a:t> annotation is now </a:t>
+            </a:r>
+            <a:r>
+              <a:rPr lang="en-US" sz="2400" i="1" dirty="0"/>
+              <a:t>@AfterAll</a:t>
+            </a:r>
+            <a:endParaRPr lang="en-US" sz="2400" dirty="0"/>
+          </a:p>
+          <a:p>
+            <a:r>
+              <a:rPr lang="en-US" sz="2400" i="1" dirty="0"/>
+              <a:t>@Ignore</a:t>
+            </a:r>
+            <a:r>
+              <a:rPr lang="en-US" sz="2400" dirty="0"/>
+              <a:t> annotation is now </a:t>
+            </a:r>
+            <a:r>
+              <a:rPr lang="en-US" sz="2400" i="1" dirty="0"/>
+              <a:t>@</a:t>
+            </a:r>
+            <a:r>
+              <a:rPr lang="en-US" sz="2400" i="1" dirty="0" smtClean="0"/>
+              <a:t>Disabled</a:t>
+            </a:r>
+          </a:p>
+          <a:p>
+            <a:r>
+              <a:rPr lang="en-IN" sz="2400" dirty="0"/>
+              <a:t>@Test(expected = Exception.class</a:t>
+            </a:r>
+            <a:r>
+              <a:rPr lang="en-IN" sz="2400" dirty="0" smtClean="0"/>
+              <a:t>) is changed to </a:t>
+            </a:r>
+            <a:r>
+              <a:rPr lang="en-IN" sz="2400" dirty="0"/>
+              <a:t>Assertions.assertThrows(Exception.class, () -&gt; { //... </a:t>
+            </a:r>
+            <a:r>
+              <a:rPr lang="en-IN" sz="2400" dirty="0" smtClean="0"/>
+              <a:t>});</a:t>
+            </a:r>
+          </a:p>
+          <a:p>
+            <a:endParaRPr lang="en-US" sz="2400" dirty="0"/>
+          </a:p>
+          <a:p>
+            <a:endParaRPr lang="en-IN" sz="2400" dirty="0"/>
+          </a:p>
+        </p:txBody>
+      </p:sp>
+    </p:spTree>
+    <p:extLst>
+      <p:ext uri="{BB962C8B-B14F-4D97-AF65-F5344CB8AC3E}">
+        <p14:creationId xmlns:p14="http://schemas.microsoft.com/office/powerpoint/2010/main" val="2239563592"/>
+      </p:ext>
+    </p:extLst>
+  </p:cSld>
+  <p:clrMapOvr>
+    <a:masterClrMapping/>
+  </p:clrMapOvr>
+  <p:timing>
+    <p:tnLst>
+      <p:par>
+        <p:cTn id="1" dur="indefinite" restart="never" nodeType="tmRoot"/>
+      </p:par>
+    </p:tnLst>
+  </p:timing>
+</p:sld>
+</file>
+
+<file path=ppt/slides/slide16.xml><?xml version="1.0" encoding="utf-8"?>
+<p:sld xmlns:a="http://schemas.openxmlformats.org/drawingml/2006/main" xmlns:r="http://schemas.openxmlformats.org/officeDocument/2006/relationships" xmlns:p="http://schemas.openxmlformats.org/presentationml/2006/main">
+  <p:cSld>
+    <p:spTree>
+      <p:nvGrpSpPr>
+        <p:cNvPr id="1" name=""/>
+        <p:cNvGrpSpPr/>
+        <p:nvPr/>
+      </p:nvGrpSpPr>
+      <p:grpSpPr>
+        <a:xfrm>
+          <a:off x="0" y="0"/>
+          <a:ext cx="0" cy="0"/>
+          <a:chOff x="0" y="0"/>
+          <a:chExt cx="0" cy="0"/>
+        </a:xfrm>
+      </p:grpSpPr>
+      <p:sp>
+        <p:nvSpPr>
+          <p:cNvPr id="2" name="Title 1"/>
+          <p:cNvSpPr>
+            <a:spLocks noGrp="1"/>
+          </p:cNvSpPr>
+          <p:nvPr>
+            <p:ph type="title"/>
+          </p:nvPr>
+        </p:nvSpPr>
+        <p:spPr>
+          <a:xfrm>
+            <a:off x="592540" y="2903609"/>
+            <a:ext cx="10515600" cy="1325563"/>
+          </a:xfrm>
+        </p:spPr>
+        <p:txBody>
+          <a:bodyPr/>
+          <a:lstStyle/>
+          <a:p>
+            <a:pPr algn="ctr"/>
+            <a:r>
+              <a:rPr lang="en-US" dirty="0" smtClean="0"/>
+              <a:t>Thank you !</a:t>
+            </a:r>
+            <a:endParaRPr lang="en-IN" dirty="0"/>
+          </a:p>
+        </p:txBody>
+      </p:sp>
+    </p:spTree>
+    <p:extLst>
+      <p:ext uri="{BB962C8B-B14F-4D97-AF65-F5344CB8AC3E}">
+        <p14:creationId xmlns:p14="http://schemas.microsoft.com/office/powerpoint/2010/main" val="1075502073"/>
+      </p:ext>
+    </p:extLst>
+  </p:cSld>
+  <p:clrMapOvr>
+    <a:masterClrMapping/>
+  </p:clrMapOvr>
+  <p:timing>
+    <p:tnLst>
+      <p:par>
+        <p:cTn id="1" dur="indefinite" restart="never" nodeType="tmRoot"/>
+      </p:par>
+    </p:tnLst>
+  </p:timing>
 </p:sld>
 </file>
 
@@ -3161,7 +4577,7 @@
           <p:cNvPr id="2" name="Title 1">
             <a:extLst>
               <a:ext uri="{FF2B5EF4-FFF2-40B4-BE49-F238E27FC236}">
-                <a16:creationId xmlns:a16="http://schemas.microsoft.com/office/drawing/2014/main" id="{183CD816-8781-2E2A-A65C-F35D77586360}"/>
+                <a16:creationId xmlns:a16="http://schemas.microsoft.com/office/drawing/2014/main" xmlns="" id="{183CD816-8781-2E2A-A65C-F35D77586360}"/>
               </a:ext>
             </a:extLst>
           </p:cNvPr>
@@ -3189,7 +4605,7 @@
           <p:cNvPr id="3" name="Content Placeholder 2">
             <a:extLst>
               <a:ext uri="{FF2B5EF4-FFF2-40B4-BE49-F238E27FC236}">
-                <a16:creationId xmlns:a16="http://schemas.microsoft.com/office/drawing/2014/main" id="{2F6905D4-1211-49BD-27A3-7E854620E4BD}"/>
+                <a16:creationId xmlns:a16="http://schemas.microsoft.com/office/drawing/2014/main" xmlns="" id="{2F6905D4-1211-49BD-27A3-7E854620E4BD}"/>
               </a:ext>
             </a:extLst>
           </p:cNvPr>
@@ -3266,6 +4682,13 @@
   <p:clrMapOvr>
     <a:masterClrMapping/>
   </p:clrMapOvr>
+  <p:timing>
+    <p:tnLst>
+      <p:par>
+        <p:cTn id="1" dur="indefinite" restart="never" nodeType="tmRoot"/>
+      </p:par>
+    </p:tnLst>
+  </p:timing>
 </p:sld>
 </file>
 
@@ -3291,7 +4714,7 @@
           <p:cNvPr id="3" name="Content Placeholder 2">
             <a:extLst>
               <a:ext uri="{FF2B5EF4-FFF2-40B4-BE49-F238E27FC236}">
-                <a16:creationId xmlns:a16="http://schemas.microsoft.com/office/drawing/2014/main" id="{8E5DC65E-97EC-C94F-513E-A4E10331C776}"/>
+                <a16:creationId xmlns:a16="http://schemas.microsoft.com/office/drawing/2014/main" xmlns="" id="{8E5DC65E-97EC-C94F-513E-A4E10331C776}"/>
               </a:ext>
             </a:extLst>
           </p:cNvPr>
@@ -3509,6 +4932,13 @@
   <p:clrMapOvr>
     <a:masterClrMapping/>
   </p:clrMapOvr>
+  <p:timing>
+    <p:tnLst>
+      <p:par>
+        <p:cTn id="1" dur="indefinite" restart="never" nodeType="tmRoot"/>
+      </p:par>
+    </p:tnLst>
+  </p:timing>
 </p:sld>
 </file>
 
@@ -3534,7 +4964,7 @@
           <p:cNvPr id="2" name="Title 1">
             <a:extLst>
               <a:ext uri="{FF2B5EF4-FFF2-40B4-BE49-F238E27FC236}">
-                <a16:creationId xmlns:a16="http://schemas.microsoft.com/office/drawing/2014/main" id="{9304D33A-8374-B3DB-BB04-8F62C35C818B}"/>
+                <a16:creationId xmlns:a16="http://schemas.microsoft.com/office/drawing/2014/main" xmlns="" id="{9304D33A-8374-B3DB-BB04-8F62C35C818B}"/>
               </a:ext>
             </a:extLst>
           </p:cNvPr>
@@ -3562,7 +4992,7 @@
           <p:cNvPr id="3" name="Content Placeholder 2">
             <a:extLst>
               <a:ext uri="{FF2B5EF4-FFF2-40B4-BE49-F238E27FC236}">
-                <a16:creationId xmlns:a16="http://schemas.microsoft.com/office/drawing/2014/main" id="{7EC94924-BC99-F540-870F-F715DC497A81}"/>
+                <a16:creationId xmlns:a16="http://schemas.microsoft.com/office/drawing/2014/main" xmlns="" id="{7EC94924-BC99-F540-870F-F715DC497A81}"/>
               </a:ext>
             </a:extLst>
           </p:cNvPr>
@@ -3668,6 +5098,13 @@
   <p:clrMapOvr>
     <a:masterClrMapping/>
   </p:clrMapOvr>
+  <p:timing>
+    <p:tnLst>
+      <p:par>
+        <p:cTn id="1" dur="indefinite" restart="never" nodeType="tmRoot"/>
+      </p:par>
+    </p:tnLst>
+  </p:timing>
 </p:sld>
 </file>
 
@@ -3693,7 +5130,7 @@
           <p:cNvPr id="2" name="Title 1">
             <a:extLst>
               <a:ext uri="{FF2B5EF4-FFF2-40B4-BE49-F238E27FC236}">
-                <a16:creationId xmlns:a16="http://schemas.microsoft.com/office/drawing/2014/main" id="{547A510F-CAFE-B6D2-9C59-B3FF1365D3A0}"/>
+                <a16:creationId xmlns:a16="http://schemas.microsoft.com/office/drawing/2014/main" xmlns="" id="{547A510F-CAFE-B6D2-9C59-B3FF1365D3A0}"/>
               </a:ext>
             </a:extLst>
           </p:cNvPr>
@@ -3721,7 +5158,7 @@
           <p:cNvPr id="3" name="Content Placeholder 2">
             <a:extLst>
               <a:ext uri="{FF2B5EF4-FFF2-40B4-BE49-F238E27FC236}">
-                <a16:creationId xmlns:a16="http://schemas.microsoft.com/office/drawing/2014/main" id="{BBFEFE3E-94D3-E50B-0853-07FD784D6EE5}"/>
+                <a16:creationId xmlns:a16="http://schemas.microsoft.com/office/drawing/2014/main" xmlns="" id="{BBFEFE3E-94D3-E50B-0853-07FD784D6EE5}"/>
               </a:ext>
             </a:extLst>
           </p:cNvPr>
@@ -3808,6 +5245,13 @@
   <p:clrMapOvr>
     <a:masterClrMapping/>
   </p:clrMapOvr>
+  <p:timing>
+    <p:tnLst>
+      <p:par>
+        <p:cTn id="1" dur="indefinite" restart="never" nodeType="tmRoot"/>
+      </p:par>
+    </p:tnLst>
+  </p:timing>
 </p:sld>
 </file>
 
@@ -3833,7 +5277,7 @@
           <p:cNvPr id="2" name="Title 1">
             <a:extLst>
               <a:ext uri="{FF2B5EF4-FFF2-40B4-BE49-F238E27FC236}">
-                <a16:creationId xmlns:a16="http://schemas.microsoft.com/office/drawing/2014/main" id="{58F8DA01-F0E0-5AF6-878D-64E7CEA6B3E3}"/>
+                <a16:creationId xmlns:a16="http://schemas.microsoft.com/office/drawing/2014/main" xmlns="" id="{58F8DA01-F0E0-5AF6-878D-64E7CEA6B3E3}"/>
               </a:ext>
             </a:extLst>
           </p:cNvPr>
@@ -3861,7 +5305,7 @@
           <p:cNvPr id="3" name="Content Placeholder 2">
             <a:extLst>
               <a:ext uri="{FF2B5EF4-FFF2-40B4-BE49-F238E27FC236}">
-                <a16:creationId xmlns:a16="http://schemas.microsoft.com/office/drawing/2014/main" id="{76E2D66C-01C9-5689-0F09-FE162BB8D46A}"/>
+                <a16:creationId xmlns:a16="http://schemas.microsoft.com/office/drawing/2014/main" xmlns="" id="{76E2D66C-01C9-5689-0F09-FE162BB8D46A}"/>
               </a:ext>
             </a:extLst>
           </p:cNvPr>
@@ -3988,6 +5432,13 @@
   <p:clrMapOvr>
     <a:masterClrMapping/>
   </p:clrMapOvr>
+  <p:timing>
+    <p:tnLst>
+      <p:par>
+        <p:cTn id="1" dur="indefinite" restart="never" nodeType="tmRoot"/>
+      </p:par>
+    </p:tnLst>
+  </p:timing>
 </p:sld>
 </file>
 
@@ -4013,7 +5464,7 @@
           <p:cNvPr id="2" name="Title 1">
             <a:extLst>
               <a:ext uri="{FF2B5EF4-FFF2-40B4-BE49-F238E27FC236}">
-                <a16:creationId xmlns:a16="http://schemas.microsoft.com/office/drawing/2014/main" id="{6264E3C2-A5D5-C696-63FE-A504A437870A}"/>
+                <a16:creationId xmlns:a16="http://schemas.microsoft.com/office/drawing/2014/main" xmlns="" id="{6264E3C2-A5D5-C696-63FE-A504A437870A}"/>
               </a:ext>
             </a:extLst>
           </p:cNvPr>
@@ -4041,7 +5492,7 @@
           <p:cNvPr id="3" name="Content Placeholder 2">
             <a:extLst>
               <a:ext uri="{FF2B5EF4-FFF2-40B4-BE49-F238E27FC236}">
-                <a16:creationId xmlns:a16="http://schemas.microsoft.com/office/drawing/2014/main" id="{46B292BB-27BB-3BBA-2AB5-88414EB68972}"/>
+                <a16:creationId xmlns:a16="http://schemas.microsoft.com/office/drawing/2014/main" xmlns="" id="{46B292BB-27BB-3BBA-2AB5-88414EB68972}"/>
               </a:ext>
             </a:extLst>
           </p:cNvPr>
@@ -4150,6 +5601,13 @@
   <p:clrMapOvr>
     <a:masterClrMapping/>
   </p:clrMapOvr>
+  <p:timing>
+    <p:tnLst>
+      <p:par>
+        <p:cTn id="1" dur="indefinite" restart="never" nodeType="tmRoot"/>
+      </p:par>
+    </p:tnLst>
+  </p:timing>
 </p:sld>
 </file>
 
@@ -4175,7 +5633,7 @@
           <p:cNvPr id="2" name="Title 1">
             <a:extLst>
               <a:ext uri="{FF2B5EF4-FFF2-40B4-BE49-F238E27FC236}">
-                <a16:creationId xmlns:a16="http://schemas.microsoft.com/office/drawing/2014/main" id="{0370C5F0-4531-852F-9D4E-014232231CCB}"/>
+                <a16:creationId xmlns:a16="http://schemas.microsoft.com/office/drawing/2014/main" xmlns="" id="{0370C5F0-4531-852F-9D4E-014232231CCB}"/>
               </a:ext>
             </a:extLst>
           </p:cNvPr>
@@ -4203,7 +5661,7 @@
           <p:cNvPr id="3" name="Content Placeholder 2">
             <a:extLst>
               <a:ext uri="{FF2B5EF4-FFF2-40B4-BE49-F238E27FC236}">
-                <a16:creationId xmlns:a16="http://schemas.microsoft.com/office/drawing/2014/main" id="{CE569727-9821-54D3-808E-E9F61E33AD99}"/>
+                <a16:creationId xmlns:a16="http://schemas.microsoft.com/office/drawing/2014/main" xmlns="" id="{CE569727-9821-54D3-808E-E9F61E33AD99}"/>
               </a:ext>
             </a:extLst>
           </p:cNvPr>
@@ -4217,7 +5675,7 @@
         <p:spPr/>
         <p:txBody>
           <a:bodyPr>
-            <a:normAutofit lnSpcReduction="10000"/>
+            <a:normAutofit fontScale="92500"/>
           </a:bodyPr>
           <a:lstStyle/>
           <a:p>
@@ -4301,6 +5759,13 @@
   <p:clrMapOvr>
     <a:masterClrMapping/>
   </p:clrMapOvr>
+  <p:timing>
+    <p:tnLst>
+      <p:par>
+        <p:cTn id="1" dur="indefinite" restart="never" nodeType="tmRoot"/>
+      </p:par>
+    </p:tnLst>
+  </p:timing>
 </p:sld>
 </file>
 
@@ -4321,274 +5786,66 @@
           <a:chExt cx="0" cy="0"/>
         </a:xfrm>
       </p:grpSpPr>
-      <p:sp>
-        <p:nvSpPr>
-          <p:cNvPr id="3" name="Content Placeholder 2">
+      <p:pic>
+        <p:nvPicPr>
+          <p:cNvPr id="1026" name="Picture 2" descr="https://miro.medium.com/v2/resize:fit:454/1*5HsfElr8niWGLqCNXc0Asg.png"/>
+          <p:cNvPicPr>
+            <a:picLocks noGrp="1" noChangeAspect="1" noChangeArrowheads="1"/>
+          </p:cNvPicPr>
+          <p:nvPr>
+            <p:ph idx="1"/>
+          </p:nvPr>
+        </p:nvPicPr>
+        <p:blipFill>
+          <a:blip r:embed="rId2">
             <a:extLst>
-              <a:ext uri="{FF2B5EF4-FFF2-40B4-BE49-F238E27FC236}">
-                <a16:creationId xmlns:a16="http://schemas.microsoft.com/office/drawing/2014/main" id="{6DAD615B-9F32-8158-563E-EDC3BF41DF4B}"/>
+              <a:ext uri="{28A0092B-C50C-407E-A947-70E740481C1C}">
+                <a14:useLocalDpi xmlns:a14="http://schemas.microsoft.com/office/drawing/2010/main" val="0"/>
               </a:ext>
             </a:extLst>
-          </p:cNvPr>
-          <p:cNvSpPr>
-            <a:spLocks noGrp="1"/>
-          </p:cNvSpPr>
-          <p:nvPr>
-            <p:ph idx="1"/>
-          </p:nvPr>
-        </p:nvSpPr>
-        <p:spPr>
+          </a:blip>
+          <a:srcRect/>
+          <a:stretch>
+            <a:fillRect/>
+          </a:stretch>
+        </p:blipFill>
+        <p:spPr bwMode="auto">
           <a:xfrm>
-            <a:off x="838200" y="273377"/>
-            <a:ext cx="10515600" cy="6476215"/>
+            <a:off x="2080696" y="805217"/>
+            <a:ext cx="7936761" cy="5093479"/>
           </a:xfrm>
+          <a:prstGeom prst="rect">
+            <a:avLst/>
+          </a:prstGeom>
+          <a:noFill/>
+          <a:extLst>
+            <a:ext uri="{909E8E84-426E-40DD-AFC4-6F175D3DCCD1}">
+              <a14:hiddenFill xmlns:a14="http://schemas.microsoft.com/office/drawing/2010/main">
+                <a:solidFill>
+                  <a:srgbClr val="FFFFFF"/>
+                </a:solidFill>
+              </a14:hiddenFill>
+            </a:ext>
+          </a:extLst>
         </p:spPr>
-        <p:txBody>
-          <a:bodyPr>
-            <a:normAutofit fontScale="77500" lnSpcReduction="20000"/>
-          </a:bodyPr>
-          <a:lstStyle/>
-          <a:p>
-            <a:pPr marL="0" indent="0" algn="l">
-              <a:buNone/>
-            </a:pPr>
-            <a:r>
-              <a:rPr lang="en-US" b="0" i="0" dirty="0">
-                <a:solidFill>
-                  <a:srgbClr val="D1D5DB"/>
-                </a:solidFill>
-                <a:effectLst/>
-                <a:latin typeface="Söhne"/>
-              </a:rPr>
-              <a:t>Red:</a:t>
-            </a:r>
-          </a:p>
-          <a:p>
-            <a:pPr algn="l">
-              <a:buFont typeface="Arial" panose="020B0604020202020204" pitchFamily="34" charset="0"/>
-              <a:buChar char="•"/>
-            </a:pPr>
-            <a:r>
-              <a:rPr lang="en-US" b="0" i="0" dirty="0">
-                <a:solidFill>
-                  <a:srgbClr val="D1D5DB"/>
-                </a:solidFill>
-                <a:effectLst/>
-                <a:latin typeface="Söhne"/>
-              </a:rPr>
-              <a:t>Write a failing test that specifies the desired behavior or functionality.</a:t>
-            </a:r>
-          </a:p>
-          <a:p>
-            <a:pPr algn="l">
-              <a:buFont typeface="Arial" panose="020B0604020202020204" pitchFamily="34" charset="0"/>
-              <a:buChar char="•"/>
-            </a:pPr>
-            <a:r>
-              <a:rPr lang="en-US" b="0" i="0" dirty="0">
-                <a:solidFill>
-                  <a:srgbClr val="D1D5DB"/>
-                </a:solidFill>
-                <a:effectLst/>
-                <a:latin typeface="Söhne"/>
-              </a:rPr>
-              <a:t>The test should focus on a specific behavior and should not pass initially.</a:t>
-            </a:r>
-          </a:p>
-          <a:p>
-            <a:pPr algn="l">
-              <a:buFont typeface="Arial" panose="020B0604020202020204" pitchFamily="34" charset="0"/>
-              <a:buChar char="•"/>
-            </a:pPr>
-            <a:r>
-              <a:rPr lang="en-US" b="0" i="0" dirty="0">
-                <a:solidFill>
-                  <a:srgbClr val="D1D5DB"/>
-                </a:solidFill>
-                <a:effectLst/>
-                <a:latin typeface="Söhne"/>
-              </a:rPr>
-              <a:t>The failing test acts as a clear indicator of what needs to be implemented.</a:t>
-            </a:r>
-          </a:p>
-          <a:p>
-            <a:pPr marL="0" indent="0" algn="l">
-              <a:buNone/>
-            </a:pPr>
-            <a:r>
-              <a:rPr lang="en-US" b="0" i="0" dirty="0">
-                <a:solidFill>
-                  <a:srgbClr val="D1D5DB"/>
-                </a:solidFill>
-                <a:effectLst/>
-                <a:latin typeface="Söhne"/>
-              </a:rPr>
-              <a:t>Green:</a:t>
-            </a:r>
-          </a:p>
-          <a:p>
-            <a:pPr algn="l">
-              <a:buFont typeface="Arial" panose="020B0604020202020204" pitchFamily="34" charset="0"/>
-              <a:buChar char="•"/>
-            </a:pPr>
-            <a:r>
-              <a:rPr lang="en-US" b="0" i="0" dirty="0">
-                <a:solidFill>
-                  <a:srgbClr val="D1D5DB"/>
-                </a:solidFill>
-                <a:effectLst/>
-                <a:latin typeface="Söhne"/>
-              </a:rPr>
-              <a:t>Write the minimum amount of code necessary to make the failing test pass.</a:t>
-            </a:r>
-          </a:p>
-          <a:p>
-            <a:pPr algn="l">
-              <a:buFont typeface="Arial" panose="020B0604020202020204" pitchFamily="34" charset="0"/>
-              <a:buChar char="•"/>
-            </a:pPr>
-            <a:r>
-              <a:rPr lang="en-US" b="0" i="0" dirty="0">
-                <a:solidFill>
-                  <a:srgbClr val="D1D5DB"/>
-                </a:solidFill>
-                <a:effectLst/>
-                <a:latin typeface="Söhne"/>
-              </a:rPr>
-              <a:t>The code should be focused on meeting the requirements of the failing test only.</a:t>
-            </a:r>
-          </a:p>
-          <a:p>
-            <a:pPr algn="l">
-              <a:buFont typeface="Arial" panose="020B0604020202020204" pitchFamily="34" charset="0"/>
-              <a:buChar char="•"/>
-            </a:pPr>
-            <a:r>
-              <a:rPr lang="en-US" b="0" i="0" dirty="0">
-                <a:solidFill>
-                  <a:srgbClr val="D1D5DB"/>
-                </a:solidFill>
-                <a:effectLst/>
-                <a:latin typeface="Söhne"/>
-              </a:rPr>
-              <a:t>It doesn't need to be perfect or optimized at this stage, as the primary goal is to make the test pass.</a:t>
-            </a:r>
-          </a:p>
-          <a:p>
-            <a:pPr marL="0" indent="0" algn="l">
-              <a:buNone/>
-            </a:pPr>
-            <a:r>
-              <a:rPr lang="en-US" b="0" i="0" dirty="0">
-                <a:solidFill>
-                  <a:srgbClr val="D1D5DB"/>
-                </a:solidFill>
-                <a:effectLst/>
-                <a:latin typeface="Söhne"/>
-              </a:rPr>
-              <a:t>Refactor:</a:t>
-            </a:r>
-          </a:p>
-          <a:p>
-            <a:pPr algn="l">
-              <a:buFont typeface="Arial" panose="020B0604020202020204" pitchFamily="34" charset="0"/>
-              <a:buChar char="•"/>
-            </a:pPr>
-            <a:r>
-              <a:rPr lang="en-US" b="0" i="0" dirty="0">
-                <a:solidFill>
-                  <a:srgbClr val="D1D5DB"/>
-                </a:solidFill>
-                <a:effectLst/>
-                <a:latin typeface="Söhne"/>
-              </a:rPr>
-              <a:t>Improve the code's design while keeping the tests passing.</a:t>
-            </a:r>
-          </a:p>
-          <a:p>
-            <a:pPr algn="l">
-              <a:buFont typeface="Arial" panose="020B0604020202020204" pitchFamily="34" charset="0"/>
-              <a:buChar char="•"/>
-            </a:pPr>
-            <a:r>
-              <a:rPr lang="en-US" b="0" i="0" dirty="0">
-                <a:solidFill>
-                  <a:srgbClr val="D1D5DB"/>
-                </a:solidFill>
-                <a:effectLst/>
-                <a:latin typeface="Söhne"/>
-              </a:rPr>
-              <a:t>Refactoring involves restructuring the code without changing its external behavior.</a:t>
-            </a:r>
-          </a:p>
-          <a:p>
-            <a:pPr algn="l">
-              <a:buFont typeface="Arial" panose="020B0604020202020204" pitchFamily="34" charset="0"/>
-              <a:buChar char="•"/>
-            </a:pPr>
-            <a:r>
-              <a:rPr lang="en-US" b="0" i="0" dirty="0">
-                <a:solidFill>
-                  <a:srgbClr val="D1D5DB"/>
-                </a:solidFill>
-                <a:effectLst/>
-                <a:latin typeface="Söhne"/>
-              </a:rPr>
-              <a:t>This step ensures that the code is clean, readable, and follows best practices.</a:t>
-            </a:r>
-          </a:p>
-          <a:p>
-            <a:pPr algn="l">
-              <a:buFont typeface="Arial" panose="020B0604020202020204" pitchFamily="34" charset="0"/>
-              <a:buChar char="•"/>
-            </a:pPr>
-            <a:r>
-              <a:rPr lang="en-US" b="0" i="0" dirty="0">
-                <a:solidFill>
-                  <a:srgbClr val="D1D5DB"/>
-                </a:solidFill>
-                <a:effectLst/>
-                <a:latin typeface="Söhne"/>
-              </a:rPr>
-              <a:t>Refactoring can include eliminating duplication, improving naming conventions, optimizing performance, or applying design patterns.</a:t>
-            </a:r>
-          </a:p>
-          <a:p>
-            <a:pPr marL="0" indent="0" algn="l">
-              <a:buNone/>
-            </a:pPr>
-            <a:r>
-              <a:rPr lang="en-US" dirty="0">
-                <a:solidFill>
-                  <a:srgbClr val="D1D5DB"/>
-                </a:solidFill>
-                <a:latin typeface="Söhne"/>
-              </a:rPr>
-              <a:t>	</a:t>
-            </a:r>
-            <a:r>
-              <a:rPr lang="en-US" b="0" i="0" dirty="0">
-                <a:solidFill>
-                  <a:srgbClr val="D1D5DB"/>
-                </a:solidFill>
-                <a:effectLst/>
-                <a:latin typeface="Söhne"/>
-              </a:rPr>
-              <a:t>The Red-Green-Refactor cycle is then repeated for each new behavior or functionality that needs to be implemented. By following this process, developers can incrementally build the software while maintaining a suite of automated tests that provide feedback on the code's correctness. This approach promotes better code design, reduces the risk of introducing bugs, and allows for more confident and efficient development.</a:t>
-            </a:r>
-          </a:p>
-        </p:txBody>
-      </p:sp>
+      </p:pic>
     </p:spTree>
     <p:extLst>
       <p:ext uri="{BB962C8B-B14F-4D97-AF65-F5344CB8AC3E}">
-        <p14:creationId xmlns:p14="http://schemas.microsoft.com/office/powerpoint/2010/main" val="1046845616"/>
+        <p14:creationId xmlns:p14="http://schemas.microsoft.com/office/powerpoint/2010/main" val="3832103441"/>
       </p:ext>
     </p:extLst>
   </p:cSld>
   <p:clrMapOvr>
     <a:masterClrMapping/>
   </p:clrMapOvr>
+  <p:timing>
+    <p:tnLst>
+      <p:par>
+        <p:cTn id="1" dur="indefinite" restart="never" nodeType="tmRoot"/>
+      </p:par>
+    </p:tnLst>
+  </p:timing>
 </p:sld>
 </file>
 
@@ -4851,4 +6108,265 @@
     </a:ext>
   </a:extLst>
 </a:theme>
+</file>
+
+<file path=ppt/theme/theme2.xml><?xml version="1.0" encoding="utf-8"?>
+<a:theme xmlns:a="http://schemas.openxmlformats.org/drawingml/2006/main" name="Office Theme">
+  <a:themeElements>
+    <a:clrScheme name="Office">
+      <a:dk1>
+        <a:sysClr val="windowText" lastClr="000000"/>
+      </a:dk1>
+      <a:lt1>
+        <a:sysClr val="window" lastClr="FFFFFF"/>
+      </a:lt1>
+      <a:dk2>
+        <a:srgbClr val="44546A"/>
+      </a:dk2>
+      <a:lt2>
+        <a:srgbClr val="E7E6E6"/>
+      </a:lt2>
+      <a:accent1>
+        <a:srgbClr val="5B9BD5"/>
+      </a:accent1>
+      <a:accent2>
+        <a:srgbClr val="ED7D31"/>
+      </a:accent2>
+      <a:accent3>
+        <a:srgbClr val="A5A5A5"/>
+      </a:accent3>
+      <a:accent4>
+        <a:srgbClr val="FFC000"/>
+      </a:accent4>
+      <a:accent5>
+        <a:srgbClr val="4472C4"/>
+      </a:accent5>
+      <a:accent6>
+        <a:srgbClr val="70AD47"/>
+      </a:accent6>
+      <a:hlink>
+        <a:srgbClr val="0563C1"/>
+      </a:hlink>
+      <a:folHlink>
+        <a:srgbClr val="954F72"/>
+      </a:folHlink>
+    </a:clrScheme>
+    <a:fontScheme name="Office">
+      <a:majorFont>
+        <a:latin typeface="Calibri Light" panose="020F0302020204030204"/>
+        <a:ea typeface=""/>
+        <a:cs typeface=""/>
+        <a:font script="Jpan" typeface="ＭＳ Ｐゴシック"/>
+        <a:font script="Hang" typeface="맑은 고딕"/>
+        <a:font script="Hans" typeface="宋体"/>
+        <a:font script="Hant" typeface="新細明體"/>
+        <a:font script="Arab" typeface="Times New Roman"/>
+        <a:font script="Hebr" typeface="Times New Roman"/>
+        <a:font script="Thai" typeface="Angsana New"/>
+        <a:font script="Ethi" typeface="Nyala"/>
+        <a:font script="Beng" typeface="Vrinda"/>
+        <a:font script="Gujr" typeface="Shruti"/>
+        <a:font script="Khmr" typeface="MoolBoran"/>
+        <a:font script="Knda" typeface="Tunga"/>
+        <a:font script="Guru" typeface="Raavi"/>
+        <a:font script="Cans" typeface="Euphemia"/>
+        <a:font script="Cher" typeface="Plantagenet Cherokee"/>
+        <a:font script="Yiii" typeface="Microsoft Yi Baiti"/>
+        <a:font script="Tibt" typeface="Microsoft Himalaya"/>
+        <a:font script="Thaa" typeface="MV Boli"/>
+        <a:font script="Deva" typeface="Mangal"/>
+        <a:font script="Telu" typeface="Gautami"/>
+        <a:font script="Taml" typeface="Latha"/>
+        <a:font script="Syrc" typeface="Estrangelo Edessa"/>
+        <a:font script="Orya" typeface="Kalinga"/>
+        <a:font script="Mlym" typeface="Kartika"/>
+        <a:font script="Laoo" typeface="DokChampa"/>
+        <a:font script="Sinh" typeface="Iskoola Pota"/>
+        <a:font script="Mong" typeface="Mongolian Baiti"/>
+        <a:font script="Viet" typeface="Times New Roman"/>
+        <a:font script="Uigh" typeface="Microsoft Uighur"/>
+        <a:font script="Geor" typeface="Sylfaen"/>
+      </a:majorFont>
+      <a:minorFont>
+        <a:latin typeface="Calibri" panose="020F0502020204030204"/>
+        <a:ea typeface=""/>
+        <a:cs typeface=""/>
+        <a:font script="Jpan" typeface="ＭＳ Ｐゴシック"/>
+        <a:font script="Hang" typeface="맑은 고딕"/>
+        <a:font script="Hans" typeface="宋体"/>
+        <a:font script="Hant" typeface="新細明體"/>
+        <a:font script="Arab" typeface="Arial"/>
+        <a:font script="Hebr" typeface="Arial"/>
+        <a:font script="Thai" typeface="Cordia New"/>
+        <a:font script="Ethi" typeface="Nyala"/>
+        <a:font script="Beng" typeface="Vrinda"/>
+        <a:font script="Gujr" typeface="Shruti"/>
+        <a:font script="Khmr" typeface="DaunPenh"/>
+        <a:font script="Knda" typeface="Tunga"/>
+        <a:font script="Guru" typeface="Raavi"/>
+        <a:font script="Cans" typeface="Euphemia"/>
+        <a:font script="Cher" typeface="Plantagenet Cherokee"/>
+        <a:font script="Yiii" typeface="Microsoft Yi Baiti"/>
+        <a:font script="Tibt" typeface="Microsoft Himalaya"/>
+        <a:font script="Thaa" typeface="MV Boli"/>
+        <a:font script="Deva" typeface="Mangal"/>
+        <a:font script="Telu" typeface="Gautami"/>
+        <a:font script="Taml" typeface="Latha"/>
+        <a:font script="Syrc" typeface="Estrangelo Edessa"/>
+        <a:font script="Orya" typeface="Kalinga"/>
+        <a:font script="Mlym" typeface="Kartika"/>
+        <a:font script="Laoo" typeface="DokChampa"/>
+        <a:font script="Sinh" typeface="Iskoola Pota"/>
+        <a:font script="Mong" typeface="Mongolian Baiti"/>
+        <a:font script="Viet" typeface="Arial"/>
+        <a:font script="Uigh" typeface="Microsoft Uighur"/>
+        <a:font script="Geor" typeface="Sylfaen"/>
+      </a:minorFont>
+    </a:fontScheme>
+    <a:fmtScheme name="Office">
+      <a:fillStyleLst>
+        <a:solidFill>
+          <a:schemeClr val="phClr"/>
+        </a:solidFill>
+        <a:gradFill rotWithShape="1">
+          <a:gsLst>
+            <a:gs pos="0">
+              <a:schemeClr val="phClr">
+                <a:lumMod val="110000"/>
+                <a:satMod val="105000"/>
+                <a:tint val="67000"/>
+              </a:schemeClr>
+            </a:gs>
+            <a:gs pos="50000">
+              <a:schemeClr val="phClr">
+                <a:lumMod val="105000"/>
+                <a:satMod val="103000"/>
+                <a:tint val="73000"/>
+              </a:schemeClr>
+            </a:gs>
+            <a:gs pos="100000">
+              <a:schemeClr val="phClr">
+                <a:lumMod val="105000"/>
+                <a:satMod val="109000"/>
+                <a:tint val="81000"/>
+              </a:schemeClr>
+            </a:gs>
+          </a:gsLst>
+          <a:lin ang="5400000" scaled="0"/>
+        </a:gradFill>
+        <a:gradFill rotWithShape="1">
+          <a:gsLst>
+            <a:gs pos="0">
+              <a:schemeClr val="phClr">
+                <a:satMod val="103000"/>
+                <a:lumMod val="102000"/>
+                <a:tint val="94000"/>
+              </a:schemeClr>
+            </a:gs>
+            <a:gs pos="50000">
+              <a:schemeClr val="phClr">
+                <a:satMod val="110000"/>
+                <a:lumMod val="100000"/>
+                <a:shade val="100000"/>
+              </a:schemeClr>
+            </a:gs>
+            <a:gs pos="100000">
+              <a:schemeClr val="phClr">
+                <a:lumMod val="99000"/>
+                <a:satMod val="120000"/>
+                <a:shade val="78000"/>
+              </a:schemeClr>
+            </a:gs>
+          </a:gsLst>
+          <a:lin ang="5400000" scaled="0"/>
+        </a:gradFill>
+      </a:fillStyleLst>
+      <a:lnStyleLst>
+        <a:ln w="6350" cap="flat" cmpd="sng" algn="ctr">
+          <a:solidFill>
+            <a:schemeClr val="phClr"/>
+          </a:solidFill>
+          <a:prstDash val="solid"/>
+          <a:miter lim="800000"/>
+        </a:ln>
+        <a:ln w="12700" cap="flat" cmpd="sng" algn="ctr">
+          <a:solidFill>
+            <a:schemeClr val="phClr"/>
+          </a:solidFill>
+          <a:prstDash val="solid"/>
+          <a:miter lim="800000"/>
+        </a:ln>
+        <a:ln w="19050" cap="flat" cmpd="sng" algn="ctr">
+          <a:solidFill>
+            <a:schemeClr val="phClr"/>
+          </a:solidFill>
+          <a:prstDash val="solid"/>
+          <a:miter lim="800000"/>
+        </a:ln>
+      </a:lnStyleLst>
+      <a:effectStyleLst>
+        <a:effectStyle>
+          <a:effectLst/>
+        </a:effectStyle>
+        <a:effectStyle>
+          <a:effectLst/>
+        </a:effectStyle>
+        <a:effectStyle>
+          <a:effectLst>
+            <a:outerShdw blurRad="57150" dist="19050" dir="5400000" algn="ctr" rotWithShape="0">
+              <a:srgbClr val="000000">
+                <a:alpha val="63000"/>
+              </a:srgbClr>
+            </a:outerShdw>
+          </a:effectLst>
+        </a:effectStyle>
+      </a:effectStyleLst>
+      <a:bgFillStyleLst>
+        <a:solidFill>
+          <a:schemeClr val="phClr"/>
+        </a:solidFill>
+        <a:solidFill>
+          <a:schemeClr val="phClr">
+            <a:tint val="95000"/>
+            <a:satMod val="170000"/>
+          </a:schemeClr>
+        </a:solidFill>
+        <a:gradFill rotWithShape="1">
+          <a:gsLst>
+            <a:gs pos="0">
+              <a:schemeClr val="phClr">
+                <a:tint val="93000"/>
+                <a:satMod val="150000"/>
+                <a:shade val="98000"/>
+                <a:lumMod val="102000"/>
+              </a:schemeClr>
+            </a:gs>
+            <a:gs pos="50000">
+              <a:schemeClr val="phClr">
+                <a:tint val="98000"/>
+                <a:satMod val="130000"/>
+                <a:shade val="90000"/>
+                <a:lumMod val="103000"/>
+              </a:schemeClr>
+            </a:gs>
+            <a:gs pos="100000">
+              <a:schemeClr val="phClr">
+                <a:shade val="63000"/>
+                <a:satMod val="120000"/>
+              </a:schemeClr>
+            </a:gs>
+          </a:gsLst>
+          <a:lin ang="5400000" scaled="0"/>
+        </a:gradFill>
+      </a:bgFillStyleLst>
+    </a:fmtScheme>
+  </a:themeElements>
+  <a:objectDefaults/>
+  <a:extraClrSchemeLst/>
+  <a:extLst>
+    <a:ext uri="{05A4C25C-085E-4340-85A3-A5531E510DB2}">
+      <thm15:themeFamily xmlns:thm15="http://schemas.microsoft.com/office/thememl/2012/main" name="Office Theme" id="{62F939B6-93AF-4DB8-9C6B-D6C7DFDC589F}" vid="{4A3C46E8-61CC-4603-A589-7422A47A8E4A}"/>
+    </a:ext>
+  </a:extLst>
+</a:theme>
 </file>